--- a/오픈소스B.pptx
+++ b/오픈소스B.pptx
@@ -5,19 +5,21 @@
     <p:sldMasterId id="2147483672" r:id="rId1"/>
   </p:sldMasterIdLst>
   <p:notesMasterIdLst>
-    <p:notesMasterId r:id="rId12"/>
+    <p:notesMasterId r:id="rId14"/>
   </p:notesMasterIdLst>
   <p:sldIdLst>
     <p:sldId id="256" r:id="rId2"/>
     <p:sldId id="340" r:id="rId3"/>
     <p:sldId id="319" r:id="rId4"/>
-    <p:sldId id="342" r:id="rId5"/>
-    <p:sldId id="300" r:id="rId6"/>
-    <p:sldId id="262" r:id="rId7"/>
-    <p:sldId id="324" r:id="rId8"/>
-    <p:sldId id="343" r:id="rId9"/>
-    <p:sldId id="334" r:id="rId10"/>
-    <p:sldId id="335" r:id="rId11"/>
+    <p:sldId id="300" r:id="rId5"/>
+    <p:sldId id="262" r:id="rId6"/>
+    <p:sldId id="324" r:id="rId7"/>
+    <p:sldId id="345" r:id="rId8"/>
+    <p:sldId id="344" r:id="rId9"/>
+    <p:sldId id="346" r:id="rId10"/>
+    <p:sldId id="348" r:id="rId11"/>
+    <p:sldId id="334" r:id="rId12"/>
+    <p:sldId id="335" r:id="rId13"/>
   </p:sldIdLst>
   <p:sldSz cx="12192000" cy="6858000"/>
   <p:notesSz cx="6858000" cy="9144000"/>
@@ -4615,7 +4617,7 @@
                 </a:solidFill>
                 <a:latin typeface="+mn-ea"/>
               </a:rPr>
-              <a:t>2017</a:t>
+              <a:t>20174220 </a:t>
             </a:r>
             <a:r>
               <a:rPr lang="ko-KR" altLang="en-US" sz="1400" dirty="0" smtClean="0">
@@ -4683,7 +4685,7 @@
                 </a:solidFill>
                 <a:latin typeface="+mn-ea"/>
               </a:rPr>
-              <a:t>	2017</a:t>
+              <a:t>	20174223 </a:t>
             </a:r>
             <a:r>
               <a:rPr lang="ko-KR" altLang="en-US" sz="1400" dirty="0" smtClean="0">
@@ -4919,6 +4921,388 @@
 </file>
 
 <file path=ppt/slides/slide10.xml><?xml version="1.0" encoding="utf-8"?>
+<p:sld xmlns:a="http://schemas.openxmlformats.org/drawingml/2006/main" xmlns:r="http://schemas.openxmlformats.org/officeDocument/2006/relationships" xmlns:p="http://schemas.openxmlformats.org/presentationml/2006/main">
+  <p:cSld>
+    <p:spTree>
+      <p:nvGrpSpPr>
+        <p:cNvPr id="1" name=""/>
+        <p:cNvGrpSpPr/>
+        <p:nvPr/>
+      </p:nvGrpSpPr>
+      <p:grpSpPr>
+        <a:xfrm>
+          <a:off x="0" y="0"/>
+          <a:ext cx="0" cy="0"/>
+          <a:chOff x="0" y="0"/>
+          <a:chExt cx="0" cy="0"/>
+        </a:xfrm>
+      </p:grpSpPr>
+      <p:sp>
+        <p:nvSpPr>
+          <p:cNvPr id="9" name="직사각형 8">
+            <a:extLst>
+              <a:ext uri="{FF2B5EF4-FFF2-40B4-BE49-F238E27FC236}">
+                <a16:creationId xmlns:a16="http://schemas.microsoft.com/office/drawing/2014/main" id="{083EF0C5-AAA4-4B34-A2D6-2BFFC0F10226}"/>
+              </a:ext>
+            </a:extLst>
+          </p:cNvPr>
+          <p:cNvSpPr/>
+          <p:nvPr/>
+        </p:nvSpPr>
+        <p:spPr>
+          <a:xfrm>
+            <a:off x="348343" y="1602377"/>
+            <a:ext cx="11521440" cy="4772297"/>
+          </a:xfrm>
+          <a:prstGeom prst="rect">
+            <a:avLst/>
+          </a:prstGeom>
+          <a:noFill/>
+          <a:ln>
+            <a:solidFill>
+              <a:schemeClr val="tx1"/>
+            </a:solidFill>
+          </a:ln>
+        </p:spPr>
+        <p:style>
+          <a:lnRef idx="2">
+            <a:schemeClr val="accent1">
+              <a:shade val="50000"/>
+            </a:schemeClr>
+          </a:lnRef>
+          <a:fillRef idx="1">
+            <a:schemeClr val="accent1"/>
+          </a:fillRef>
+          <a:effectRef idx="0">
+            <a:schemeClr val="accent1"/>
+          </a:effectRef>
+          <a:fontRef idx="minor">
+            <a:schemeClr val="lt1"/>
+          </a:fontRef>
+        </p:style>
+        <p:txBody>
+          <a:bodyPr rtlCol="0" anchor="ctr"/>
+          <a:lstStyle/>
+          <a:p>
+            <a:pPr algn="ctr"/>
+            <a:endParaRPr lang="ko-KR" altLang="en-US"/>
+          </a:p>
+        </p:txBody>
+      </p:sp>
+      <p:sp>
+        <p:nvSpPr>
+          <p:cNvPr id="13" name="직사각형 12">
+            <a:extLst>
+              <a:ext uri="{FF2B5EF4-FFF2-40B4-BE49-F238E27FC236}">
+                <a16:creationId xmlns:a16="http://schemas.microsoft.com/office/drawing/2014/main" id="{99CA10BD-C2A5-4911-A7DA-507011F984C1}"/>
+              </a:ext>
+            </a:extLst>
+          </p:cNvPr>
+          <p:cNvSpPr/>
+          <p:nvPr/>
+        </p:nvSpPr>
+        <p:spPr>
+          <a:xfrm>
+            <a:off x="5760720" y="345259"/>
+            <a:ext cx="5961888" cy="711200"/>
+          </a:xfrm>
+          <a:prstGeom prst="rect">
+            <a:avLst/>
+          </a:prstGeom>
+          <a:solidFill>
+            <a:srgbClr val="344574"/>
+          </a:solidFill>
+          <a:ln>
+            <a:noFill/>
+          </a:ln>
+        </p:spPr>
+        <p:style>
+          <a:lnRef idx="2">
+            <a:schemeClr val="accent1">
+              <a:shade val="50000"/>
+            </a:schemeClr>
+          </a:lnRef>
+          <a:fillRef idx="1">
+            <a:schemeClr val="accent1"/>
+          </a:fillRef>
+          <a:effectRef idx="0">
+            <a:schemeClr val="accent1"/>
+          </a:effectRef>
+          <a:fontRef idx="minor">
+            <a:schemeClr val="lt1"/>
+          </a:fontRef>
+        </p:style>
+        <p:txBody>
+          <a:bodyPr rtlCol="0" anchor="ctr"/>
+          <a:lstStyle/>
+          <a:p>
+            <a:pPr algn="ctr"/>
+            <a:r>
+              <a:rPr lang="en-US" altLang="ko-KR" sz="2700" dirty="0" smtClean="0">
+                <a:latin typeface="HY견고딕" panose="02030600000101010101" pitchFamily="18" charset="-127"/>
+                <a:ea typeface="HY견고딕" panose="02030600000101010101" pitchFamily="18" charset="-127"/>
+              </a:rPr>
+              <a:t>GUI</a:t>
+            </a:r>
+            <a:endParaRPr lang="ko-KR" altLang="en-US" sz="2700" dirty="0">
+              <a:latin typeface="HY견고딕" panose="02030600000101010101" pitchFamily="18" charset="-127"/>
+              <a:ea typeface="HY견고딕" panose="02030600000101010101" pitchFamily="18" charset="-127"/>
+            </a:endParaRPr>
+          </a:p>
+        </p:txBody>
+      </p:sp>
+      <p:sp>
+        <p:nvSpPr>
+          <p:cNvPr id="17" name="object 37">
+            <a:extLst>
+              <a:ext uri="{FF2B5EF4-FFF2-40B4-BE49-F238E27FC236}">
+                <a16:creationId xmlns:a16="http://schemas.microsoft.com/office/drawing/2014/main" id="{D5A6CCC6-3D3B-4FFF-BDC3-73B7060E4DA1}"/>
+              </a:ext>
+            </a:extLst>
+          </p:cNvPr>
+          <p:cNvSpPr txBox="1">
+            <a:spLocks/>
+          </p:cNvSpPr>
+          <p:nvPr/>
+        </p:nvSpPr>
+        <p:spPr>
+          <a:xfrm>
+            <a:off x="452069" y="348602"/>
+            <a:ext cx="2889007" cy="359073"/>
+          </a:xfrm>
+          <a:prstGeom prst="rect">
+            <a:avLst/>
+          </a:prstGeom>
+        </p:spPr>
+        <p:txBody>
+          <a:bodyPr vert="horz" wrap="square" lIns="0" tIns="12700" rIns="0" bIns="0" rtlCol="0" anchor="ctr">
+            <a:spAutoFit/>
+          </a:bodyPr>
+          <a:lstStyle>
+            <a:lvl1pPr algn="l" defTabSz="914400" rtl="0" eaLnBrk="1" latinLnBrk="1" hangingPunct="1">
+              <a:lnSpc>
+                <a:spcPct val="90000"/>
+              </a:lnSpc>
+              <a:spcBef>
+                <a:spcPct val="0"/>
+              </a:spcBef>
+              <a:buNone/>
+              <a:defRPr sz="4400" kern="1200">
+                <a:solidFill>
+                  <a:schemeClr val="tx1"/>
+                </a:solidFill>
+                <a:latin typeface="+mj-lt"/>
+                <a:ea typeface="+mj-ea"/>
+                <a:cs typeface="+mj-cs"/>
+              </a:defRPr>
+            </a:lvl1pPr>
+          </a:lstStyle>
+          <a:p>
+            <a:pPr marL="12700">
+              <a:spcBef>
+                <a:spcPts val="100"/>
+              </a:spcBef>
+            </a:pPr>
+            <a:r>
+              <a:rPr lang="en-US" sz="2500" spc="75" dirty="0" smtClean="0">
+                <a:latin typeface="맑은 고딕 Semilight" panose="020B0502040204020203" pitchFamily="50" charset="-127"/>
+                <a:ea typeface="맑은 고딕 Semilight" panose="020B0502040204020203" pitchFamily="50" charset="-127"/>
+                <a:cs typeface="맑은 고딕 Semilight" panose="020B0502040204020203" pitchFamily="50" charset="-127"/>
+              </a:rPr>
+              <a:t>04. </a:t>
+            </a:r>
+            <a:r>
+              <a:rPr lang="ko-KR" altLang="en-US" sz="2500" spc="75" dirty="0" smtClean="0">
+                <a:latin typeface="맑은 고딕 Semilight" panose="020B0502040204020203" pitchFamily="50" charset="-127"/>
+                <a:ea typeface="맑은 고딕 Semilight" panose="020B0502040204020203" pitchFamily="50" charset="-127"/>
+                <a:cs typeface="맑은 고딕 Semilight" panose="020B0502040204020203" pitchFamily="50" charset="-127"/>
+              </a:rPr>
+              <a:t>프로젝트 결과</a:t>
+            </a:r>
+            <a:r>
+              <a:rPr lang="en-US" sz="2500" spc="135" dirty="0" smtClean="0">
+                <a:latin typeface="맑은 고딕 Semilight" panose="020B0502040204020203" pitchFamily="50" charset="-127"/>
+                <a:ea typeface="맑은 고딕 Semilight" panose="020B0502040204020203" pitchFamily="50" charset="-127"/>
+                <a:cs typeface="맑은 고딕 Semilight" panose="020B0502040204020203" pitchFamily="50" charset="-127"/>
+              </a:rPr>
+              <a:t> </a:t>
+            </a:r>
+            <a:endParaRPr lang="ko-KR" altLang="en-US" sz="2500" spc="-40" dirty="0">
+              <a:latin typeface="맑은 고딕 Semilight" panose="020B0502040204020203" pitchFamily="50" charset="-127"/>
+              <a:ea typeface="맑은 고딕 Semilight" panose="020B0502040204020203" pitchFamily="50" charset="-127"/>
+              <a:cs typeface="맑은 고딕 Semilight" panose="020B0502040204020203" pitchFamily="50" charset="-127"/>
+            </a:endParaRPr>
+          </a:p>
+        </p:txBody>
+      </p:sp>
+      <p:sp>
+        <p:nvSpPr>
+          <p:cNvPr id="15" name="TextBox 14">
+            <a:extLst>
+              <a:ext uri="{FF2B5EF4-FFF2-40B4-BE49-F238E27FC236}">
+                <a16:creationId xmlns:a16="http://schemas.microsoft.com/office/drawing/2014/main" id="{32954673-033D-43F5-B2B3-4CA946C63A2B}"/>
+              </a:ext>
+            </a:extLst>
+          </p:cNvPr>
+          <p:cNvSpPr txBox="1"/>
+          <p:nvPr/>
+        </p:nvSpPr>
+        <p:spPr>
+          <a:xfrm>
+            <a:off x="11464709" y="6453050"/>
+            <a:ext cx="508474" cy="369332"/>
+          </a:xfrm>
+          <a:prstGeom prst="rect">
+            <a:avLst/>
+          </a:prstGeom>
+          <a:noFill/>
+        </p:spPr>
+        <p:txBody>
+          <a:bodyPr wrap="none" rtlCol="0">
+            <a:spAutoFit/>
+          </a:bodyPr>
+          <a:lstStyle/>
+          <a:p>
+            <a:pPr algn="r"/>
+            <a:r>
+              <a:rPr lang="en-US" altLang="ko-KR" dirty="0"/>
+              <a:t>8</a:t>
+            </a:r>
+            <a:r>
+              <a:rPr lang="en-US" altLang="ko-KR" dirty="0" smtClean="0"/>
+              <a:t>/9</a:t>
+            </a:r>
+            <a:endParaRPr lang="ko-KR" altLang="en-US" dirty="0"/>
+          </a:p>
+        </p:txBody>
+      </p:sp>
+    </p:spTree>
+    <p:extLst>
+      <p:ext uri="{BB962C8B-B14F-4D97-AF65-F5344CB8AC3E}">
+        <p14:creationId xmlns:p14="http://schemas.microsoft.com/office/powerpoint/2010/main" val="460293172"/>
+      </p:ext>
+    </p:extLst>
+  </p:cSld>
+  <p:clrMapOvr>
+    <a:masterClrMapping/>
+  </p:clrMapOvr>
+</p:sld>
+</file>
+
+<file path=ppt/slides/slide11.xml><?xml version="1.0" encoding="utf-8"?>
+<p:sld xmlns:a="http://schemas.openxmlformats.org/drawingml/2006/main" xmlns:r="http://schemas.openxmlformats.org/officeDocument/2006/relationships" xmlns:p="http://schemas.openxmlformats.org/presentationml/2006/main">
+  <p:cSld>
+    <p:spTree>
+      <p:nvGrpSpPr>
+        <p:cNvPr id="1" name=""/>
+        <p:cNvGrpSpPr/>
+        <p:nvPr/>
+      </p:nvGrpSpPr>
+      <p:grpSpPr>
+        <a:xfrm>
+          <a:off x="0" y="0"/>
+          <a:ext cx="0" cy="0"/>
+          <a:chOff x="0" y="0"/>
+          <a:chExt cx="0" cy="0"/>
+        </a:xfrm>
+      </p:grpSpPr>
+      <p:sp>
+        <p:nvSpPr>
+          <p:cNvPr id="4" name="TextBox 3">
+            <a:extLst>
+              <a:ext uri="{FF2B5EF4-FFF2-40B4-BE49-F238E27FC236}">
+                <a16:creationId xmlns:a16="http://schemas.microsoft.com/office/drawing/2014/main" id="{DC4CCA66-2864-4706-92FC-C7622E6493BE}"/>
+              </a:ext>
+            </a:extLst>
+          </p:cNvPr>
+          <p:cNvSpPr txBox="1"/>
+          <p:nvPr/>
+        </p:nvSpPr>
+        <p:spPr>
+          <a:xfrm>
+            <a:off x="3632186" y="2106313"/>
+            <a:ext cx="6337314" cy="2400657"/>
+          </a:xfrm>
+          <a:prstGeom prst="rect">
+            <a:avLst/>
+          </a:prstGeom>
+          <a:noFill/>
+        </p:spPr>
+        <p:txBody>
+          <a:bodyPr wrap="square" rtlCol="0">
+            <a:spAutoFit/>
+          </a:bodyPr>
+          <a:lstStyle/>
+          <a:p>
+            <a:r>
+              <a:rPr lang="en-US" altLang="ko-KR" sz="15000" dirty="0" err="1">
+                <a:latin typeface="HY견고딕" panose="02030600000101010101" pitchFamily="18" charset="-127"/>
+                <a:ea typeface="HY견고딕" panose="02030600000101010101" pitchFamily="18" charset="-127"/>
+              </a:rPr>
+              <a:t>QnA</a:t>
+            </a:r>
+            <a:endParaRPr lang="ko-KR" altLang="en-US" sz="15000" dirty="0">
+              <a:latin typeface="HY견고딕" panose="02030600000101010101" pitchFamily="18" charset="-127"/>
+              <a:ea typeface="HY견고딕" panose="02030600000101010101" pitchFamily="18" charset="-127"/>
+            </a:endParaRPr>
+          </a:p>
+        </p:txBody>
+      </p:sp>
+      <p:sp>
+        <p:nvSpPr>
+          <p:cNvPr id="5" name="TextBox 4">
+            <a:extLst>
+              <a:ext uri="{FF2B5EF4-FFF2-40B4-BE49-F238E27FC236}">
+                <a16:creationId xmlns:a16="http://schemas.microsoft.com/office/drawing/2014/main" id="{F1413E92-8EF8-4FE0-B5D5-101E2BA1AE71}"/>
+              </a:ext>
+            </a:extLst>
+          </p:cNvPr>
+          <p:cNvSpPr txBox="1"/>
+          <p:nvPr/>
+        </p:nvSpPr>
+        <p:spPr>
+          <a:xfrm>
+            <a:off x="11464709" y="6453050"/>
+            <a:ext cx="508474" cy="369332"/>
+          </a:xfrm>
+          <a:prstGeom prst="rect">
+            <a:avLst/>
+          </a:prstGeom>
+          <a:noFill/>
+        </p:spPr>
+        <p:txBody>
+          <a:bodyPr wrap="none" rtlCol="0">
+            <a:spAutoFit/>
+          </a:bodyPr>
+          <a:lstStyle/>
+          <a:p>
+            <a:pPr algn="r"/>
+            <a:r>
+              <a:rPr lang="en-US" altLang="ko-KR" dirty="0"/>
+              <a:t>9</a:t>
+            </a:r>
+            <a:r>
+              <a:rPr lang="en-US" altLang="ko-KR" dirty="0" smtClean="0"/>
+              <a:t>/9</a:t>
+            </a:r>
+            <a:endParaRPr lang="ko-KR" altLang="en-US" dirty="0"/>
+          </a:p>
+        </p:txBody>
+      </p:sp>
+    </p:spTree>
+    <p:extLst>
+      <p:ext uri="{BB962C8B-B14F-4D97-AF65-F5344CB8AC3E}">
+        <p14:creationId xmlns:p14="http://schemas.microsoft.com/office/powerpoint/2010/main" val="1544241816"/>
+      </p:ext>
+    </p:extLst>
+  </p:cSld>
+  <p:clrMapOvr>
+    <a:masterClrMapping/>
+  </p:clrMapOvr>
+</p:sld>
+</file>
+
+<file path=ppt/slides/slide12.xml><?xml version="1.0" encoding="utf-8"?>
 <p:sld xmlns:a="http://schemas.openxmlformats.org/drawingml/2006/main" xmlns:r="http://schemas.openxmlformats.org/officeDocument/2006/relationships" xmlns:p="http://schemas.openxmlformats.org/presentationml/2006/main">
   <p:cSld>
     <p:spTree>
@@ -6069,6 +6453,15 @@
           <a:p>
             <a:pPr algn="ctr"/>
             <a:r>
+              <a:rPr lang="ko-KR" altLang="en-US" sz="1700" dirty="0" smtClean="0">
+                <a:solidFill>
+                  <a:schemeClr val="tx1"/>
+                </a:solidFill>
+                <a:latin typeface="+mj-ea"/>
+              </a:rPr>
+              <a:t>놀이공원에서 사용할 수 있는 프로그램을 만들어볼까</a:t>
+            </a:r>
+            <a:r>
               <a:rPr lang="en-US" altLang="ko-KR" sz="1700" dirty="0" smtClean="0">
                 <a:solidFill>
                   <a:schemeClr val="tx1"/>
@@ -6286,7 +6679,7 @@
         <p:spPr>
           <a:xfrm>
             <a:off x="1460216" y="3630347"/>
-            <a:ext cx="9475358" cy="452368"/>
+            <a:ext cx="9475358" cy="923330"/>
           </a:xfrm>
           <a:prstGeom prst="rect">
             <a:avLst/>
@@ -6307,20 +6700,61 @@
               </a:spcBef>
             </a:pPr>
             <a:r>
-              <a:rPr lang="ko-KR" altLang="en-US" spc="-30" dirty="0">
+              <a:rPr lang="ko-KR" altLang="en-US" spc="-30" dirty="0" smtClean="0">
                 <a:latin typeface="Noto Sans CJK JP Regular"/>
                 <a:cs typeface="Noto Sans CJK JP Regular"/>
               </a:rPr>
-              <a:t>▶ </a:t>
-            </a:r>
-            <a:r>
-              <a:rPr lang="ko-KR" altLang="en-US" spc="-30" dirty="0" err="1">
-                <a:latin typeface="Noto Sans CJK JP Regular"/>
-                <a:cs typeface="Noto Sans CJK JP Regular"/>
-              </a:rPr>
-              <a:t>ㅣ</a:t>
-            </a:r>
-            <a:endParaRPr lang="ko-KR" altLang="en-US" dirty="0">
+              <a:t>▶</a:t>
+            </a:r>
+            <a:r>
+              <a:rPr lang="ko-KR" altLang="en-US" dirty="0"/>
+              <a:t> 최근에 놀이공원을 다녀왔는데 놀이공원에서 놀이기구를 예약</a:t>
+            </a:r>
+            <a:r>
+              <a:rPr lang="en-US" altLang="ko-KR" dirty="0"/>
+              <a:t>, </a:t>
+            </a:r>
+            <a:r>
+              <a:rPr lang="ko-KR" altLang="en-US" dirty="0" err="1"/>
+              <a:t>예약취소</a:t>
+            </a:r>
+            <a:r>
+              <a:rPr lang="en-US" altLang="ko-KR" dirty="0"/>
+              <a:t>, </a:t>
+            </a:r>
+            <a:r>
+              <a:rPr lang="ko-KR" altLang="en-US" dirty="0" err="1"/>
+              <a:t>대기인원</a:t>
+            </a:r>
+            <a:r>
+              <a:rPr lang="ko-KR" altLang="en-US" dirty="0"/>
+              <a:t> 확인</a:t>
+            </a:r>
+            <a:r>
+              <a:rPr lang="en-US" altLang="ko-KR" dirty="0"/>
+              <a:t>, </a:t>
+            </a:r>
+            <a:r>
+              <a:rPr lang="ko-KR" altLang="en-US" i="1" dirty="0" smtClean="0"/>
+              <a:t>랜덤 추첨</a:t>
+            </a:r>
+            <a:r>
+              <a:rPr lang="ko-KR" altLang="en-US" dirty="0" smtClean="0"/>
+              <a:t> </a:t>
+            </a:r>
+            <a:r>
+              <a:rPr lang="ko-KR" altLang="en-US" dirty="0"/>
+              <a:t>기능의 </a:t>
+            </a:r>
+            <a:r>
+              <a:rPr lang="ko-KR" altLang="en-US" dirty="0" smtClean="0"/>
+              <a:t> 프로그램이 </a:t>
+            </a:r>
+            <a:r>
+              <a:rPr lang="ko-KR" altLang="en-US" dirty="0"/>
+              <a:t>필요성을 느껴서</a:t>
+            </a:r>
+            <a:endParaRPr lang="en-US" altLang="ko-KR" spc="-30" dirty="0" smtClean="0">
               <a:latin typeface="Noto Sans CJK JP Regular"/>
               <a:cs typeface="Noto Sans CJK JP Regular"/>
             </a:endParaRPr>
@@ -6408,86 +6842,10 @@
       </p:grpSpPr>
       <p:sp>
         <p:nvSpPr>
-          <p:cNvPr id="20" name="object 37">
+          <p:cNvPr id="36" name="직사각형 35">
             <a:extLst>
               <a:ext uri="{FF2B5EF4-FFF2-40B4-BE49-F238E27FC236}">
-                <a16:creationId xmlns:a16="http://schemas.microsoft.com/office/drawing/2014/main" id="{D0C9577C-3AA5-4F76-8D34-6FC6633E8C90}"/>
-              </a:ext>
-            </a:extLst>
-          </p:cNvPr>
-          <p:cNvSpPr txBox="1">
-            <a:spLocks noGrp="1"/>
-          </p:cNvSpPr>
-          <p:nvPr>
-            <p:ph type="title"/>
-          </p:nvPr>
-        </p:nvSpPr>
-        <p:spPr>
-          <a:xfrm>
-            <a:off x="452070" y="348602"/>
-            <a:ext cx="2227630" cy="359073"/>
-          </a:xfrm>
-          <a:prstGeom prst="rect">
-            <a:avLst/>
-          </a:prstGeom>
-        </p:spPr>
-        <p:txBody>
-          <a:bodyPr vert="horz" wrap="square" lIns="0" tIns="12700" rIns="0" bIns="0" rtlCol="0">
-            <a:spAutoFit/>
-          </a:bodyPr>
-          <a:lstStyle/>
-          <a:p>
-            <a:pPr marL="12700">
-              <a:spcBef>
-                <a:spcPts val="100"/>
-              </a:spcBef>
-            </a:pPr>
-            <a:r>
-              <a:rPr lang="en-US" altLang="ko-KR" sz="2500" spc="75" dirty="0">
-                <a:latin typeface="맑은 고딕 Semilight" panose="020B0502040204020203" pitchFamily="50" charset="-127"/>
-                <a:ea typeface="맑은 고딕 Semilight" panose="020B0502040204020203" pitchFamily="50" charset="-127"/>
-                <a:cs typeface="맑은 고딕 Semilight" panose="020B0502040204020203" pitchFamily="50" charset="-127"/>
-              </a:rPr>
-              <a:t>01</a:t>
-            </a:r>
-            <a:r>
-              <a:rPr sz="2500" spc="75" dirty="0">
-                <a:latin typeface="맑은 고딕 Semilight" panose="020B0502040204020203" pitchFamily="50" charset="-127"/>
-                <a:ea typeface="맑은 고딕 Semilight" panose="020B0502040204020203" pitchFamily="50" charset="-127"/>
-                <a:cs typeface="맑은 고딕 Semilight" panose="020B0502040204020203" pitchFamily="50" charset="-127"/>
-              </a:rPr>
-              <a:t>.</a:t>
-            </a:r>
-            <a:r>
-              <a:rPr sz="2500" spc="135" dirty="0">
-                <a:latin typeface="맑은 고딕 Semilight" panose="020B0502040204020203" pitchFamily="50" charset="-127"/>
-                <a:ea typeface="맑은 고딕 Semilight" panose="020B0502040204020203" pitchFamily="50" charset="-127"/>
-                <a:cs typeface="맑은 고딕 Semilight" panose="020B0502040204020203" pitchFamily="50" charset="-127"/>
-              </a:rPr>
-              <a:t> </a:t>
-            </a:r>
-            <a:r>
-              <a:rPr lang="ko-KR" altLang="en-US" sz="2500" spc="-40" dirty="0">
-                <a:latin typeface="맑은 고딕 Semilight" panose="020B0502040204020203" pitchFamily="50" charset="-127"/>
-                <a:ea typeface="맑은 고딕 Semilight" panose="020B0502040204020203" pitchFamily="50" charset="-127"/>
-                <a:cs typeface="맑은 고딕 Semilight" panose="020B0502040204020203" pitchFamily="50" charset="-127"/>
-              </a:rPr>
-              <a:t>개발 동기</a:t>
-            </a:r>
-            <a:endParaRPr sz="2500" spc="-40" dirty="0">
-              <a:latin typeface="맑은 고딕 Semilight" panose="020B0502040204020203" pitchFamily="50" charset="-127"/>
-              <a:ea typeface="맑은 고딕 Semilight" panose="020B0502040204020203" pitchFamily="50" charset="-127"/>
-              <a:cs typeface="맑은 고딕 Semilight" panose="020B0502040204020203" pitchFamily="50" charset="-127"/>
-            </a:endParaRPr>
-          </a:p>
-        </p:txBody>
-      </p:sp>
-      <p:sp>
-        <p:nvSpPr>
-          <p:cNvPr id="15" name="직사각형 14">
-            <a:extLst>
-              <a:ext uri="{FF2B5EF4-FFF2-40B4-BE49-F238E27FC236}">
-                <a16:creationId xmlns:a16="http://schemas.microsoft.com/office/drawing/2014/main" id="{92BF76B5-5CFE-4B0E-B0FB-562439534529}"/>
+                <a16:creationId xmlns:a16="http://schemas.microsoft.com/office/drawing/2014/main" id="{836206BC-5319-4331-8E66-C2B854AEB9CA}"/>
               </a:ext>
             </a:extLst>
           </p:cNvPr>
@@ -6496,12 +6854,20 @@
         </p:nvSpPr>
         <p:spPr>
           <a:xfrm>
-            <a:off x="7874453" y="2835977"/>
-            <a:ext cx="2763994" cy="502177"/>
+            <a:off x="3324018" y="2281095"/>
+            <a:ext cx="5844553" cy="3965430"/>
           </a:xfrm>
           <a:prstGeom prst="rect">
             <a:avLst/>
           </a:prstGeom>
+          <a:solidFill>
+            <a:schemeClr val="bg1"/>
+          </a:solidFill>
+          <a:ln>
+            <a:solidFill>
+              <a:schemeClr val="tx1"/>
+            </a:solidFill>
+          </a:ln>
         </p:spPr>
         <p:style>
           <a:lnRef idx="2">
@@ -6524,16 +6890,60 @@
           <a:lstStyle/>
           <a:p>
             <a:pPr algn="ctr"/>
-            <a:endParaRPr lang="ko-KR" altLang="en-US" dirty="0"/>
-          </a:p>
-        </p:txBody>
-      </p:sp>
-      <p:sp>
-        <p:nvSpPr>
-          <p:cNvPr id="18" name="직사각형 17">
+            <a:endParaRPr lang="ko-KR" altLang="en-US" sz="1700" dirty="0">
+              <a:latin typeface="+mj-ea"/>
+              <a:ea typeface="+mj-ea"/>
+            </a:endParaRPr>
+          </a:p>
+        </p:txBody>
+      </p:sp>
+      <p:sp>
+        <p:nvSpPr>
+          <p:cNvPr id="24" name="TextBox 23">
             <a:extLst>
               <a:ext uri="{FF2B5EF4-FFF2-40B4-BE49-F238E27FC236}">
-                <a16:creationId xmlns:a16="http://schemas.microsoft.com/office/drawing/2014/main" id="{F9CF90D7-CFBA-4CD6-AD16-6A8DF239DB1E}"/>
+                <a16:creationId xmlns:a16="http://schemas.microsoft.com/office/drawing/2014/main" id="{77724F38-E9C7-405A-A3F3-E85270F6585B}"/>
+              </a:ext>
+            </a:extLst>
+          </p:cNvPr>
+          <p:cNvSpPr txBox="1"/>
+          <p:nvPr/>
+        </p:nvSpPr>
+        <p:spPr>
+          <a:xfrm>
+            <a:off x="11464709" y="6453050"/>
+            <a:ext cx="508474" cy="369332"/>
+          </a:xfrm>
+          <a:prstGeom prst="rect">
+            <a:avLst/>
+          </a:prstGeom>
+          <a:noFill/>
+        </p:spPr>
+        <p:txBody>
+          <a:bodyPr wrap="none" rtlCol="0">
+            <a:spAutoFit/>
+          </a:bodyPr>
+          <a:lstStyle/>
+          <a:p>
+            <a:pPr algn="r"/>
+            <a:r>
+              <a:rPr lang="en-US" altLang="ko-KR" dirty="0"/>
+              <a:t>2</a:t>
+            </a:r>
+            <a:r>
+              <a:rPr lang="en-US" altLang="ko-KR" dirty="0" smtClean="0"/>
+              <a:t>/9</a:t>
+            </a:r>
+            <a:endParaRPr lang="en-US" altLang="ko-KR" dirty="0"/>
+          </a:p>
+        </p:txBody>
+      </p:sp>
+      <p:sp>
+        <p:nvSpPr>
+          <p:cNvPr id="31" name="직사각형 30">
+            <a:extLst>
+              <a:ext uri="{FF2B5EF4-FFF2-40B4-BE49-F238E27FC236}">
+                <a16:creationId xmlns:a16="http://schemas.microsoft.com/office/drawing/2014/main" id="{53A8667E-2183-40C0-A985-1FF13D46C5C0}"/>
               </a:ext>
             </a:extLst>
           </p:cNvPr>
@@ -6542,8 +6952,8 @@
         </p:nvSpPr>
         <p:spPr>
           <a:xfrm>
-            <a:off x="8830491" y="361091"/>
-            <a:ext cx="2850542" cy="711200"/>
+            <a:off x="4041508" y="1207271"/>
+            <a:ext cx="4409574" cy="711200"/>
           </a:xfrm>
           <a:prstGeom prst="rect">
             <a:avLst/>
@@ -6588,7 +6998,7 @@
                 <a:latin typeface="HY견고딕" panose="02030600000101010101" pitchFamily="18" charset="-127"/>
                 <a:ea typeface="HY견고딕" panose="02030600000101010101" pitchFamily="18" charset="-127"/>
               </a:rPr>
-              <a:t>개발 동기</a:t>
+              <a:t>개발 환경</a:t>
             </a:r>
             <a:r>
               <a:rPr lang="en-US" altLang="ko-KR" sz="2700" dirty="0">
@@ -6606,205 +7016,108 @@
       </p:sp>
       <p:sp>
         <p:nvSpPr>
-          <p:cNvPr id="19" name="직사각형 18">
+          <p:cNvPr id="13" name="object 37">
             <a:extLst>
               <a:ext uri="{FF2B5EF4-FFF2-40B4-BE49-F238E27FC236}">
-                <a16:creationId xmlns:a16="http://schemas.microsoft.com/office/drawing/2014/main" id="{2E5A9E33-AC98-4F8F-BFE6-1597CAFC9BE6}"/>
+                <a16:creationId xmlns:a16="http://schemas.microsoft.com/office/drawing/2014/main" id="{88FEA070-FB3C-40FC-8F20-615240A61C19}"/>
               </a:ext>
             </a:extLst>
           </p:cNvPr>
-          <p:cNvSpPr/>
-          <p:nvPr/>
-        </p:nvSpPr>
-        <p:spPr>
-          <a:xfrm>
-            <a:off x="790956" y="1767459"/>
-            <a:ext cx="10305288" cy="607001"/>
+          <p:cNvSpPr txBox="1">
+            <a:spLocks noGrp="1"/>
+          </p:cNvSpPr>
+          <p:nvPr>
+            <p:ph type="title"/>
+          </p:nvPr>
+        </p:nvSpPr>
+        <p:spPr>
+          <a:xfrm>
+            <a:off x="452070" y="348602"/>
+            <a:ext cx="2227630" cy="359073"/>
           </a:xfrm>
           <a:prstGeom prst="rect">
             <a:avLst/>
           </a:prstGeom>
-          <a:solidFill>
-            <a:schemeClr val="bg1"/>
-          </a:solidFill>
-          <a:ln w="38100">
-            <a:solidFill>
-              <a:schemeClr val="tx1"/>
-            </a:solidFill>
-          </a:ln>
-        </p:spPr>
-        <p:style>
-          <a:lnRef idx="2">
-            <a:schemeClr val="accent1">
-              <a:shade val="50000"/>
-            </a:schemeClr>
-          </a:lnRef>
-          <a:fillRef idx="1">
-            <a:schemeClr val="accent1"/>
-          </a:fillRef>
-          <a:effectRef idx="0">
-            <a:schemeClr val="accent1"/>
-          </a:effectRef>
-          <a:fontRef idx="minor">
-            <a:schemeClr val="lt1"/>
-          </a:fontRef>
-        </p:style>
-        <p:txBody>
-          <a:bodyPr rtlCol="0" anchor="ctr"/>
-          <a:lstStyle/>
-          <a:p>
-            <a:pPr algn="ctr"/>
-            <a:r>
-              <a:rPr lang="ko-KR" altLang="en-US" sz="1700" dirty="0" smtClean="0">
-                <a:solidFill>
-                  <a:schemeClr val="tx1"/>
-                </a:solidFill>
-                <a:latin typeface="+mj-ea"/>
-              </a:rPr>
-              <a:t>문제</a:t>
-            </a:r>
-            <a:endParaRPr lang="ko-KR" altLang="en-US" sz="1700" dirty="0">
-              <a:solidFill>
-                <a:schemeClr val="tx1"/>
-              </a:solidFill>
-              <a:latin typeface="+mj-ea"/>
+        </p:spPr>
+        <p:txBody>
+          <a:bodyPr vert="horz" wrap="square" lIns="0" tIns="12700" rIns="0" bIns="0" rtlCol="0">
+            <a:spAutoFit/>
+          </a:bodyPr>
+          <a:lstStyle/>
+          <a:p>
+            <a:pPr marL="12700">
+              <a:spcBef>
+                <a:spcPts val="100"/>
+              </a:spcBef>
+            </a:pPr>
+            <a:r>
+              <a:rPr lang="en-US" altLang="ko-KR" sz="2500" spc="75" dirty="0">
+                <a:latin typeface="맑은 고딕 Semilight" panose="020B0502040204020203" pitchFamily="50" charset="-127"/>
+                <a:ea typeface="맑은 고딕 Semilight" panose="020B0502040204020203" pitchFamily="50" charset="-127"/>
+                <a:cs typeface="맑은 고딕 Semilight" panose="020B0502040204020203" pitchFamily="50" charset="-127"/>
+              </a:rPr>
+              <a:t>02</a:t>
+            </a:r>
+            <a:r>
+              <a:rPr sz="2500" spc="75" dirty="0">
+                <a:latin typeface="맑은 고딕 Semilight" panose="020B0502040204020203" pitchFamily="50" charset="-127"/>
+                <a:ea typeface="맑은 고딕 Semilight" panose="020B0502040204020203" pitchFamily="50" charset="-127"/>
+                <a:cs typeface="맑은 고딕 Semilight" panose="020B0502040204020203" pitchFamily="50" charset="-127"/>
+              </a:rPr>
+              <a:t>.</a:t>
+            </a:r>
+            <a:r>
+              <a:rPr sz="2500" spc="135" dirty="0">
+                <a:latin typeface="맑은 고딕 Semilight" panose="020B0502040204020203" pitchFamily="50" charset="-127"/>
+                <a:ea typeface="맑은 고딕 Semilight" panose="020B0502040204020203" pitchFamily="50" charset="-127"/>
+                <a:cs typeface="맑은 고딕 Semilight" panose="020B0502040204020203" pitchFamily="50" charset="-127"/>
+              </a:rPr>
+              <a:t> </a:t>
+            </a:r>
+            <a:r>
+              <a:rPr lang="ko-KR" altLang="en-US" sz="2500" spc="-40" dirty="0">
+                <a:latin typeface="맑은 고딕 Semilight" panose="020B0502040204020203" pitchFamily="50" charset="-127"/>
+                <a:ea typeface="맑은 고딕 Semilight" panose="020B0502040204020203" pitchFamily="50" charset="-127"/>
+                <a:cs typeface="맑은 고딕 Semilight" panose="020B0502040204020203" pitchFamily="50" charset="-127"/>
+              </a:rPr>
+              <a:t>개발 환경</a:t>
+            </a:r>
+            <a:endParaRPr sz="2500" spc="-40" dirty="0">
+              <a:latin typeface="맑은 고딕 Semilight" panose="020B0502040204020203" pitchFamily="50" charset="-127"/>
+              <a:ea typeface="맑은 고딕 Semilight" panose="020B0502040204020203" pitchFamily="50" charset="-127"/>
+              <a:cs typeface="맑은 고딕 Semilight" panose="020B0502040204020203" pitchFamily="50" charset="-127"/>
             </a:endParaRPr>
           </a:p>
         </p:txBody>
       </p:sp>
-      <p:sp>
-        <p:nvSpPr>
-          <p:cNvPr id="11" name="TextBox 10">
-            <a:extLst>
-              <a:ext uri="{FF2B5EF4-FFF2-40B4-BE49-F238E27FC236}">
-                <a16:creationId xmlns:a16="http://schemas.microsoft.com/office/drawing/2014/main" id="{8920317A-3C13-4FD0-A3C6-34291D8962A1}"/>
-              </a:ext>
-            </a:extLst>
-          </p:cNvPr>
-          <p:cNvSpPr txBox="1"/>
+      <p:pic>
+        <p:nvPicPr>
+          <p:cNvPr id="4" name="그림 3"/>
+          <p:cNvPicPr>
+            <a:picLocks noChangeAspect="1"/>
+          </p:cNvPicPr>
           <p:nvPr/>
-        </p:nvSpPr>
-        <p:spPr>
-          <a:xfrm>
-            <a:off x="11464709" y="6453050"/>
-            <a:ext cx="508474" cy="369332"/>
+        </p:nvPicPr>
+        <p:blipFill>
+          <a:blip r:embed="rId2"/>
+          <a:stretch>
+            <a:fillRect/>
+          </a:stretch>
+        </p:blipFill>
+        <p:spPr>
+          <a:xfrm>
+            <a:off x="3935290" y="3279531"/>
+            <a:ext cx="4380800" cy="1757270"/>
           </a:xfrm>
           <a:prstGeom prst="rect">
             <a:avLst/>
           </a:prstGeom>
-          <a:noFill/>
-        </p:spPr>
-        <p:txBody>
-          <a:bodyPr wrap="none" rtlCol="0">
-            <a:spAutoFit/>
-          </a:bodyPr>
-          <a:lstStyle/>
-          <a:p>
-            <a:pPr algn="r"/>
-            <a:r>
-              <a:rPr lang="en-US" altLang="ko-KR" dirty="0"/>
-              <a:t>3/9</a:t>
-            </a:r>
-            <a:endParaRPr lang="ko-KR" altLang="en-US" dirty="0"/>
-          </a:p>
-        </p:txBody>
-      </p:sp>
-      <p:sp>
-        <p:nvSpPr>
-          <p:cNvPr id="21" name="직사각형 20">
-            <a:extLst>
-              <a:ext uri="{FF2B5EF4-FFF2-40B4-BE49-F238E27FC236}">
-                <a16:creationId xmlns:a16="http://schemas.microsoft.com/office/drawing/2014/main" id="{0117B652-BAD8-44D9-ACFC-3DA4FB11EA32}"/>
-              </a:ext>
-            </a:extLst>
-          </p:cNvPr>
-          <p:cNvSpPr/>
-          <p:nvPr/>
-        </p:nvSpPr>
-        <p:spPr>
-          <a:xfrm>
-            <a:off x="1400420" y="2818539"/>
-            <a:ext cx="2763994" cy="502177"/>
-          </a:xfrm>
-          <a:prstGeom prst="rect">
-            <a:avLst/>
-          </a:prstGeom>
-        </p:spPr>
-        <p:style>
-          <a:lnRef idx="2">
-            <a:schemeClr val="accent1">
-              <a:shade val="50000"/>
-            </a:schemeClr>
-          </a:lnRef>
-          <a:fillRef idx="1">
-            <a:schemeClr val="accent1"/>
-          </a:fillRef>
-          <a:effectRef idx="0">
-            <a:schemeClr val="accent1"/>
-          </a:effectRef>
-          <a:fontRef idx="minor">
-            <a:schemeClr val="lt1"/>
-          </a:fontRef>
-        </p:style>
-        <p:txBody>
-          <a:bodyPr rtlCol="0" anchor="ctr"/>
-          <a:lstStyle/>
-          <a:p>
-            <a:pPr algn="ctr"/>
-            <a:endParaRPr lang="ko-KR" altLang="en-US" dirty="0"/>
-          </a:p>
-        </p:txBody>
-      </p:sp>
-      <p:sp>
-        <p:nvSpPr>
-          <p:cNvPr id="5" name="화살표: 오른쪽 4">
-            <a:extLst>
-              <a:ext uri="{FF2B5EF4-FFF2-40B4-BE49-F238E27FC236}">
-                <a16:creationId xmlns:a16="http://schemas.microsoft.com/office/drawing/2014/main" id="{01D69C25-E274-4BE6-A0A9-D43E19BAF544}"/>
-              </a:ext>
-            </a:extLst>
-          </p:cNvPr>
-          <p:cNvSpPr/>
-          <p:nvPr/>
-        </p:nvSpPr>
-        <p:spPr>
-          <a:xfrm>
-            <a:off x="5702300" y="3989644"/>
-            <a:ext cx="787400" cy="1114424"/>
-          </a:xfrm>
-          <a:prstGeom prst="rightArrow">
-            <a:avLst/>
-          </a:prstGeom>
-        </p:spPr>
-        <p:style>
-          <a:lnRef idx="2">
-            <a:schemeClr val="accent1">
-              <a:shade val="50000"/>
-            </a:schemeClr>
-          </a:lnRef>
-          <a:fillRef idx="1">
-            <a:schemeClr val="accent1"/>
-          </a:fillRef>
-          <a:effectRef idx="0">
-            <a:schemeClr val="accent1"/>
-          </a:effectRef>
-          <a:fontRef idx="minor">
-            <a:schemeClr val="lt1"/>
-          </a:fontRef>
-        </p:style>
-        <p:txBody>
-          <a:bodyPr rtlCol="0" anchor="ctr"/>
-          <a:lstStyle/>
-          <a:p>
-            <a:pPr algn="ctr"/>
-            <a:endParaRPr lang="ko-KR" altLang="en-US"/>
-          </a:p>
-        </p:txBody>
-      </p:sp>
+        </p:spPr>
+      </p:pic>
     </p:spTree>
     <p:extLst>
       <p:ext uri="{BB962C8B-B14F-4D97-AF65-F5344CB8AC3E}">
-        <p14:creationId xmlns:p14="http://schemas.microsoft.com/office/powerpoint/2010/main" val="1337124145"/>
+        <p14:creationId xmlns:p14="http://schemas.microsoft.com/office/powerpoint/2010/main" val="695740213"/>
       </p:ext>
     </p:extLst>
   </p:cSld>
@@ -6833,10 +7146,10 @@
       </p:grpSpPr>
       <p:sp>
         <p:nvSpPr>
-          <p:cNvPr id="36" name="직사각형 35">
+          <p:cNvPr id="33" name="직사각형 32">
             <a:extLst>
               <a:ext uri="{FF2B5EF4-FFF2-40B4-BE49-F238E27FC236}">
-                <a16:creationId xmlns:a16="http://schemas.microsoft.com/office/drawing/2014/main" id="{836206BC-5319-4331-8E66-C2B854AEB9CA}"/>
+                <a16:creationId xmlns:a16="http://schemas.microsoft.com/office/drawing/2014/main" id="{773DC80C-6B15-4D3B-9502-7A0E7FCE4A01}"/>
               </a:ext>
             </a:extLst>
           </p:cNvPr>
@@ -6845,19 +7158,17 @@
         </p:nvSpPr>
         <p:spPr>
           <a:xfrm>
-            <a:off x="3324018" y="2281095"/>
-            <a:ext cx="5844553" cy="3965430"/>
+            <a:off x="4503418" y="1254893"/>
+            <a:ext cx="3167916" cy="711200"/>
           </a:xfrm>
           <a:prstGeom prst="rect">
             <a:avLst/>
           </a:prstGeom>
           <a:solidFill>
-            <a:schemeClr val="bg1"/>
+            <a:srgbClr val="344574"/>
           </a:solidFill>
           <a:ln>
-            <a:solidFill>
-              <a:schemeClr val="tx1"/>
-            </a:solidFill>
+            <a:noFill/>
           </a:ln>
         </p:spPr>
         <p:style>
@@ -6881,19 +7192,40 @@
           <a:lstStyle/>
           <a:p>
             <a:pPr algn="ctr"/>
-            <a:endParaRPr lang="ko-KR" altLang="en-US" sz="1700" dirty="0">
-              <a:latin typeface="+mj-ea"/>
-              <a:ea typeface="+mj-ea"/>
+            <a:r>
+              <a:rPr lang="en-US" altLang="ko-KR" sz="2700" dirty="0">
+                <a:latin typeface="HY견고딕" panose="02030600000101010101" pitchFamily="18" charset="-127"/>
+                <a:ea typeface="HY견고딕" panose="02030600000101010101" pitchFamily="18" charset="-127"/>
+              </a:rPr>
+              <a:t>[</a:t>
+            </a:r>
+            <a:r>
+              <a:rPr lang="ko-KR" altLang="en-US" sz="2700" dirty="0">
+                <a:latin typeface="HY견고딕" panose="02030600000101010101" pitchFamily="18" charset="-127"/>
+                <a:ea typeface="HY견고딕" panose="02030600000101010101" pitchFamily="18" charset="-127"/>
+              </a:rPr>
+              <a:t>조원 및 역할</a:t>
+            </a:r>
+            <a:r>
+              <a:rPr lang="en-US" altLang="ko-KR" sz="2700" dirty="0">
+                <a:latin typeface="HY견고딕" panose="02030600000101010101" pitchFamily="18" charset="-127"/>
+                <a:ea typeface="HY견고딕" panose="02030600000101010101" pitchFamily="18" charset="-127"/>
+              </a:rPr>
+              <a:t>]</a:t>
+            </a:r>
+            <a:endParaRPr lang="ko-KR" altLang="en-US" sz="2700" dirty="0">
+              <a:latin typeface="HY견고딕" panose="02030600000101010101" pitchFamily="18" charset="-127"/>
+              <a:ea typeface="HY견고딕" panose="02030600000101010101" pitchFamily="18" charset="-127"/>
             </a:endParaRPr>
           </a:p>
         </p:txBody>
       </p:sp>
       <p:sp>
         <p:nvSpPr>
-          <p:cNvPr id="24" name="TextBox 23">
+          <p:cNvPr id="3" name="TextBox 2">
             <a:extLst>
               <a:ext uri="{FF2B5EF4-FFF2-40B4-BE49-F238E27FC236}">
-                <a16:creationId xmlns:a16="http://schemas.microsoft.com/office/drawing/2014/main" id="{77724F38-E9C7-405A-A3F3-E85270F6585B}"/>
+                <a16:creationId xmlns:a16="http://schemas.microsoft.com/office/drawing/2014/main" id="{8E5C6A4F-2DB9-4F63-8A6B-6DD863A7C4EF}"/>
               </a:ext>
             </a:extLst>
           </p:cNvPr>
@@ -6919,17 +7251,22 @@
             <a:pPr algn="r"/>
             <a:r>
               <a:rPr lang="en-US" altLang="ko-KR" dirty="0"/>
-              <a:t>4/9</a:t>
-            </a:r>
-          </a:p>
-        </p:txBody>
-      </p:sp>
-      <p:sp>
-        <p:nvSpPr>
-          <p:cNvPr id="31" name="직사각형 30">
+              <a:t>3</a:t>
+            </a:r>
+            <a:r>
+              <a:rPr lang="en-US" altLang="ko-KR" dirty="0" smtClean="0"/>
+              <a:t>/9</a:t>
+            </a:r>
+            <a:endParaRPr lang="ko-KR" altLang="en-US" dirty="0"/>
+          </a:p>
+        </p:txBody>
+      </p:sp>
+      <p:sp>
+        <p:nvSpPr>
+          <p:cNvPr id="20" name="직사각형 19">
             <a:extLst>
               <a:ext uri="{FF2B5EF4-FFF2-40B4-BE49-F238E27FC236}">
-                <a16:creationId xmlns:a16="http://schemas.microsoft.com/office/drawing/2014/main" id="{53A8667E-2183-40C0-A985-1FF13D46C5C0}"/>
+                <a16:creationId xmlns:a16="http://schemas.microsoft.com/office/drawing/2014/main" id="{BEB093DA-B87E-4019-AD58-B84A4FF83CC2}"/>
               </a:ext>
             </a:extLst>
           </p:cNvPr>
@@ -6938,14 +7275,14 @@
         </p:nvSpPr>
         <p:spPr>
           <a:xfrm>
-            <a:off x="4041508" y="1207271"/>
-            <a:ext cx="4409574" cy="711200"/>
+            <a:off x="867660" y="2127739"/>
+            <a:ext cx="2882719" cy="4096712"/>
           </a:xfrm>
           <a:prstGeom prst="rect">
             <a:avLst/>
           </a:prstGeom>
           <a:solidFill>
-            <a:srgbClr val="344574"/>
+            <a:srgbClr val="696969"/>
           </a:solidFill>
           <a:ln>
             <a:noFill/>
@@ -6972,64 +7309,593 @@
           <a:lstStyle/>
           <a:p>
             <a:pPr algn="ctr"/>
-            <a:r>
-              <a:rPr lang="en-US" altLang="ko-KR" sz="2700" dirty="0">
-                <a:latin typeface="HY견고딕" panose="02030600000101010101" pitchFamily="18" charset="-127"/>
-                <a:ea typeface="HY견고딕" panose="02030600000101010101" pitchFamily="18" charset="-127"/>
-              </a:rPr>
-              <a:t>[</a:t>
-            </a:r>
-            <a:r>
-              <a:rPr lang="ko-KR" altLang="en-US" sz="2700" dirty="0">
-                <a:latin typeface="HY견고딕" panose="02030600000101010101" pitchFamily="18" charset="-127"/>
-                <a:ea typeface="HY견고딕" panose="02030600000101010101" pitchFamily="18" charset="-127"/>
-              </a:rPr>
-              <a:t>개발 환경</a:t>
-            </a:r>
-            <a:r>
-              <a:rPr lang="en-US" altLang="ko-KR" sz="2700" dirty="0">
-                <a:latin typeface="HY견고딕" panose="02030600000101010101" pitchFamily="18" charset="-127"/>
-                <a:ea typeface="HY견고딕" panose="02030600000101010101" pitchFamily="18" charset="-127"/>
-              </a:rPr>
-              <a:t>]</a:t>
-            </a:r>
-            <a:endParaRPr lang="ko-KR" altLang="en-US" sz="2700" dirty="0">
-              <a:latin typeface="HY견고딕" panose="02030600000101010101" pitchFamily="18" charset="-127"/>
-              <a:ea typeface="HY견고딕" panose="02030600000101010101" pitchFamily="18" charset="-127"/>
-            </a:endParaRPr>
-          </a:p>
-        </p:txBody>
-      </p:sp>
-      <p:sp>
-        <p:nvSpPr>
-          <p:cNvPr id="13" name="object 37">
+            <a:endParaRPr lang="ko-KR" altLang="en-US" dirty="0"/>
+          </a:p>
+        </p:txBody>
+      </p:sp>
+      <p:sp>
+        <p:nvSpPr>
+          <p:cNvPr id="21" name="직사각형 20">
             <a:extLst>
               <a:ext uri="{FF2B5EF4-FFF2-40B4-BE49-F238E27FC236}">
-                <a16:creationId xmlns:a16="http://schemas.microsoft.com/office/drawing/2014/main" id="{88FEA070-FB3C-40FC-8F20-615240A61C19}"/>
+                <a16:creationId xmlns:a16="http://schemas.microsoft.com/office/drawing/2014/main" id="{D6D15D08-F733-4A49-842F-CD732C2AE794}"/>
+              </a:ext>
+            </a:extLst>
+          </p:cNvPr>
+          <p:cNvSpPr/>
+          <p:nvPr/>
+        </p:nvSpPr>
+        <p:spPr>
+          <a:xfrm>
+            <a:off x="4678450" y="2127739"/>
+            <a:ext cx="2882719" cy="4096712"/>
+          </a:xfrm>
+          <a:prstGeom prst="rect">
+            <a:avLst/>
+          </a:prstGeom>
+          <a:solidFill>
+            <a:srgbClr val="C0A076"/>
+          </a:solidFill>
+          <a:ln>
+            <a:noFill/>
+          </a:ln>
+        </p:spPr>
+        <p:style>
+          <a:lnRef idx="2">
+            <a:schemeClr val="accent1">
+              <a:shade val="50000"/>
+            </a:schemeClr>
+          </a:lnRef>
+          <a:fillRef idx="1">
+            <a:schemeClr val="accent1"/>
+          </a:fillRef>
+          <a:effectRef idx="0">
+            <a:schemeClr val="accent1"/>
+          </a:effectRef>
+          <a:fontRef idx="minor">
+            <a:schemeClr val="lt1"/>
+          </a:fontRef>
+        </p:style>
+        <p:txBody>
+          <a:bodyPr rtlCol="0" anchor="ctr"/>
+          <a:lstStyle/>
+          <a:p>
+            <a:pPr algn="ctr"/>
+            <a:endParaRPr lang="ko-KR" altLang="en-US"/>
+          </a:p>
+        </p:txBody>
+      </p:sp>
+      <p:sp>
+        <p:nvSpPr>
+          <p:cNvPr id="22" name="직사각형 21">
+            <a:extLst>
+              <a:ext uri="{FF2B5EF4-FFF2-40B4-BE49-F238E27FC236}">
+                <a16:creationId xmlns:a16="http://schemas.microsoft.com/office/drawing/2014/main" id="{388F9C7F-3D13-4AA4-BD6B-DC6F022452FC}"/>
+              </a:ext>
+            </a:extLst>
+          </p:cNvPr>
+          <p:cNvSpPr/>
+          <p:nvPr/>
+        </p:nvSpPr>
+        <p:spPr>
+          <a:xfrm>
+            <a:off x="8319992" y="2127739"/>
+            <a:ext cx="2882719" cy="4096712"/>
+          </a:xfrm>
+          <a:prstGeom prst="rect">
+            <a:avLst/>
+          </a:prstGeom>
+          <a:solidFill>
+            <a:srgbClr val="696969"/>
+          </a:solidFill>
+          <a:ln>
+            <a:noFill/>
+          </a:ln>
+        </p:spPr>
+        <p:style>
+          <a:lnRef idx="2">
+            <a:schemeClr val="accent1">
+              <a:shade val="50000"/>
+            </a:schemeClr>
+          </a:lnRef>
+          <a:fillRef idx="1">
+            <a:schemeClr val="accent1"/>
+          </a:fillRef>
+          <a:effectRef idx="0">
+            <a:schemeClr val="accent1"/>
+          </a:effectRef>
+          <a:fontRef idx="minor">
+            <a:schemeClr val="lt1"/>
+          </a:fontRef>
+        </p:style>
+        <p:txBody>
+          <a:bodyPr rtlCol="0" anchor="ctr"/>
+          <a:lstStyle/>
+          <a:p>
+            <a:pPr algn="ctr"/>
+            <a:endParaRPr lang="ko-KR" altLang="en-US"/>
+          </a:p>
+        </p:txBody>
+      </p:sp>
+      <p:sp>
+        <p:nvSpPr>
+          <p:cNvPr id="25" name="타원 24">
+            <a:extLst>
+              <a:ext uri="{FF2B5EF4-FFF2-40B4-BE49-F238E27FC236}">
+                <a16:creationId xmlns:a16="http://schemas.microsoft.com/office/drawing/2014/main" id="{D2BAD30D-9749-4701-B33A-C71C828D9ED1}"/>
+              </a:ext>
+            </a:extLst>
+          </p:cNvPr>
+          <p:cNvSpPr/>
+          <p:nvPr/>
+        </p:nvSpPr>
+        <p:spPr>
+          <a:xfrm>
+            <a:off x="1575195" y="2167725"/>
+            <a:ext cx="1467650" cy="1247013"/>
+          </a:xfrm>
+          <a:prstGeom prst="ellipse">
+            <a:avLst/>
+          </a:prstGeom>
+          <a:solidFill>
+            <a:schemeClr val="bg1">
+              <a:lumMod val="85000"/>
+            </a:schemeClr>
+          </a:solidFill>
+          <a:ln>
+            <a:noFill/>
+          </a:ln>
+        </p:spPr>
+        <p:style>
+          <a:lnRef idx="2">
+            <a:schemeClr val="accent1">
+              <a:shade val="50000"/>
+            </a:schemeClr>
+          </a:lnRef>
+          <a:fillRef idx="1">
+            <a:schemeClr val="accent1"/>
+          </a:fillRef>
+          <a:effectRef idx="0">
+            <a:schemeClr val="accent1"/>
+          </a:effectRef>
+          <a:fontRef idx="minor">
+            <a:schemeClr val="lt1"/>
+          </a:fontRef>
+        </p:style>
+        <p:txBody>
+          <a:bodyPr rtlCol="0" anchor="ctr"/>
+          <a:lstStyle/>
+          <a:p>
+            <a:pPr algn="ctr"/>
+            <a:r>
+              <a:rPr lang="en-US" altLang="ko-KR" dirty="0" smtClean="0">
+                <a:solidFill>
+                  <a:schemeClr val="tx1"/>
+                </a:solidFill>
+              </a:rPr>
+              <a:t>17</a:t>
+            </a:r>
+            <a:endParaRPr lang="en-US" altLang="ko-KR" dirty="0">
+              <a:solidFill>
+                <a:schemeClr val="tx1"/>
+              </a:solidFill>
+            </a:endParaRPr>
+          </a:p>
+          <a:p>
+            <a:pPr algn="ctr"/>
+            <a:r>
+              <a:rPr lang="ko-KR" altLang="en-US" sz="1200" dirty="0" smtClean="0">
+                <a:solidFill>
+                  <a:schemeClr val="tx1"/>
+                </a:solidFill>
+              </a:rPr>
+              <a:t>박건우</a:t>
+            </a:r>
+            <a:endParaRPr lang="ko-KR" altLang="en-US" sz="1200" dirty="0">
+              <a:solidFill>
+                <a:schemeClr val="tx1"/>
+              </a:solidFill>
+            </a:endParaRPr>
+          </a:p>
+        </p:txBody>
+      </p:sp>
+      <p:sp>
+        <p:nvSpPr>
+          <p:cNvPr id="38" name="TextBox 37">
+            <a:extLst>
+              <a:ext uri="{FF2B5EF4-FFF2-40B4-BE49-F238E27FC236}">
+                <a16:creationId xmlns:a16="http://schemas.microsoft.com/office/drawing/2014/main" id="{D64026EA-BB8B-43E0-982A-766A2E5F354C}"/>
+              </a:ext>
+            </a:extLst>
+          </p:cNvPr>
+          <p:cNvSpPr txBox="1"/>
+          <p:nvPr/>
+        </p:nvSpPr>
+        <p:spPr>
+          <a:xfrm>
+            <a:off x="1982158" y="4184044"/>
+            <a:ext cx="659722" cy="512064"/>
+          </a:xfrm>
+          <a:prstGeom prst="rect">
+            <a:avLst/>
+          </a:prstGeom>
+          <a:noFill/>
+        </p:spPr>
+        <p:txBody>
+          <a:bodyPr wrap="square" lIns="0" tIns="0" rIns="0" bIns="0" rtlCol="0">
+            <a:spAutoFit/>
+          </a:bodyPr>
+          <a:lstStyle/>
+          <a:p>
+            <a:pPr algn="ctr"/>
+            <a:r>
+              <a:rPr lang="ko-KR" altLang="en-US" b="1" spc="-70" dirty="0">
+                <a:solidFill>
+                  <a:schemeClr val="bg1"/>
+                </a:solidFill>
+                <a:latin typeface="Arial" panose="020B0604020202020204" pitchFamily="34" charset="0"/>
+                <a:cs typeface="Arial" panose="020B0604020202020204" pitchFamily="34" charset="0"/>
+              </a:rPr>
+              <a:t>팀원</a:t>
+            </a:r>
+            <a:endParaRPr lang="en-US" altLang="ko-KR" b="1" spc="-70" dirty="0">
+              <a:solidFill>
+                <a:schemeClr val="bg1"/>
+              </a:solidFill>
+              <a:latin typeface="Arial" panose="020B0604020202020204" pitchFamily="34" charset="0"/>
+              <a:cs typeface="Arial" panose="020B0604020202020204" pitchFamily="34" charset="0"/>
+            </a:endParaRPr>
+          </a:p>
+          <a:p>
+            <a:pPr algn="ctr"/>
+            <a:endParaRPr lang="en-US" altLang="ko-KR" sz="1400" b="1" spc="-70" dirty="0">
+              <a:solidFill>
+                <a:schemeClr val="bg1"/>
+              </a:solidFill>
+              <a:latin typeface="Arial" panose="020B0604020202020204" pitchFamily="34" charset="0"/>
+              <a:cs typeface="Arial" panose="020B0604020202020204" pitchFamily="34" charset="0"/>
+            </a:endParaRPr>
+          </a:p>
+        </p:txBody>
+      </p:sp>
+      <p:sp>
+        <p:nvSpPr>
+          <p:cNvPr id="40" name="타원 39">
+            <a:extLst>
+              <a:ext uri="{FF2B5EF4-FFF2-40B4-BE49-F238E27FC236}">
+                <a16:creationId xmlns:a16="http://schemas.microsoft.com/office/drawing/2014/main" id="{775EE6FB-5AFB-46EF-B7AF-E7B8040E623A}"/>
+              </a:ext>
+            </a:extLst>
+          </p:cNvPr>
+          <p:cNvSpPr/>
+          <p:nvPr/>
+        </p:nvSpPr>
+        <p:spPr>
+          <a:xfrm>
+            <a:off x="5385984" y="2167725"/>
+            <a:ext cx="1467650" cy="1247013"/>
+          </a:xfrm>
+          <a:prstGeom prst="ellipse">
+            <a:avLst/>
+          </a:prstGeom>
+          <a:solidFill>
+            <a:schemeClr val="bg1">
+              <a:lumMod val="85000"/>
+            </a:schemeClr>
+          </a:solidFill>
+          <a:ln>
+            <a:noFill/>
+          </a:ln>
+        </p:spPr>
+        <p:style>
+          <a:lnRef idx="2">
+            <a:schemeClr val="accent1">
+              <a:shade val="50000"/>
+            </a:schemeClr>
+          </a:lnRef>
+          <a:fillRef idx="1">
+            <a:schemeClr val="accent1"/>
+          </a:fillRef>
+          <a:effectRef idx="0">
+            <a:schemeClr val="accent1"/>
+          </a:effectRef>
+          <a:fontRef idx="minor">
+            <a:schemeClr val="lt1"/>
+          </a:fontRef>
+        </p:style>
+        <p:txBody>
+          <a:bodyPr rtlCol="0" anchor="ctr"/>
+          <a:lstStyle/>
+          <a:p>
+            <a:pPr algn="ctr"/>
+            <a:r>
+              <a:rPr lang="en-US" altLang="ko-KR" dirty="0" smtClean="0">
+                <a:solidFill>
+                  <a:schemeClr val="tx1"/>
+                </a:solidFill>
+              </a:rPr>
+              <a:t>17</a:t>
+            </a:r>
+            <a:endParaRPr lang="en-US" altLang="ko-KR" dirty="0">
+              <a:solidFill>
+                <a:schemeClr val="tx1"/>
+              </a:solidFill>
+            </a:endParaRPr>
+          </a:p>
+          <a:p>
+            <a:pPr algn="ctr"/>
+            <a:r>
+              <a:rPr lang="ko-KR" altLang="en-US" sz="1200" dirty="0" smtClean="0">
+                <a:solidFill>
+                  <a:schemeClr val="tx1"/>
+                </a:solidFill>
+              </a:rPr>
+              <a:t>조민호</a:t>
+            </a:r>
+            <a:endParaRPr lang="ko-KR" altLang="en-US" sz="1200" dirty="0">
+              <a:solidFill>
+                <a:schemeClr val="tx1"/>
+              </a:solidFill>
+            </a:endParaRPr>
+          </a:p>
+        </p:txBody>
+      </p:sp>
+      <p:sp>
+        <p:nvSpPr>
+          <p:cNvPr id="41" name="TextBox 40">
+            <a:extLst>
+              <a:ext uri="{FF2B5EF4-FFF2-40B4-BE49-F238E27FC236}">
+                <a16:creationId xmlns:a16="http://schemas.microsoft.com/office/drawing/2014/main" id="{F1E9CD4F-43A9-44B5-BBD7-2BC931ACDD1D}"/>
+              </a:ext>
+            </a:extLst>
+          </p:cNvPr>
+          <p:cNvSpPr txBox="1"/>
+          <p:nvPr/>
+        </p:nvSpPr>
+        <p:spPr>
+          <a:xfrm>
+            <a:off x="5840853" y="4254380"/>
+            <a:ext cx="659722" cy="512064"/>
+          </a:xfrm>
+          <a:prstGeom prst="rect">
+            <a:avLst/>
+          </a:prstGeom>
+          <a:noFill/>
+        </p:spPr>
+        <p:txBody>
+          <a:bodyPr wrap="square" lIns="0" tIns="0" rIns="0" bIns="0" rtlCol="0">
+            <a:spAutoFit/>
+          </a:bodyPr>
+          <a:lstStyle/>
+          <a:p>
+            <a:pPr algn="ctr"/>
+            <a:r>
+              <a:rPr lang="ko-KR" altLang="en-US" b="1" spc="-70" dirty="0">
+                <a:solidFill>
+                  <a:schemeClr val="bg1"/>
+                </a:solidFill>
+                <a:latin typeface="Arial" panose="020B0604020202020204" pitchFamily="34" charset="0"/>
+                <a:cs typeface="Arial" panose="020B0604020202020204" pitchFamily="34" charset="0"/>
+              </a:rPr>
+              <a:t>팀원</a:t>
+            </a:r>
+            <a:endParaRPr lang="en-US" altLang="ko-KR" b="1" spc="-70" dirty="0">
+              <a:solidFill>
+                <a:schemeClr val="bg1"/>
+              </a:solidFill>
+              <a:latin typeface="Arial" panose="020B0604020202020204" pitchFamily="34" charset="0"/>
+              <a:cs typeface="Arial" panose="020B0604020202020204" pitchFamily="34" charset="0"/>
+            </a:endParaRPr>
+          </a:p>
+          <a:p>
+            <a:pPr algn="ctr"/>
+            <a:endParaRPr lang="en-US" altLang="ko-KR" sz="1400" b="1" spc="-70" dirty="0">
+              <a:solidFill>
+                <a:schemeClr val="bg1"/>
+              </a:solidFill>
+              <a:latin typeface="Arial" panose="020B0604020202020204" pitchFamily="34" charset="0"/>
+              <a:cs typeface="Arial" panose="020B0604020202020204" pitchFamily="34" charset="0"/>
+            </a:endParaRPr>
+          </a:p>
+        </p:txBody>
+      </p:sp>
+      <p:sp>
+        <p:nvSpPr>
+          <p:cNvPr id="43" name="타원 42">
+            <a:extLst>
+              <a:ext uri="{FF2B5EF4-FFF2-40B4-BE49-F238E27FC236}">
+                <a16:creationId xmlns:a16="http://schemas.microsoft.com/office/drawing/2014/main" id="{A56C2F33-A7F7-4F49-B024-061F6B6929C2}"/>
+              </a:ext>
+            </a:extLst>
+          </p:cNvPr>
+          <p:cNvSpPr/>
+          <p:nvPr/>
+        </p:nvSpPr>
+        <p:spPr>
+          <a:xfrm>
+            <a:off x="9027526" y="2167726"/>
+            <a:ext cx="1467650" cy="1247013"/>
+          </a:xfrm>
+          <a:prstGeom prst="ellipse">
+            <a:avLst/>
+          </a:prstGeom>
+          <a:solidFill>
+            <a:schemeClr val="bg1">
+              <a:lumMod val="85000"/>
+            </a:schemeClr>
+          </a:solidFill>
+          <a:ln>
+            <a:noFill/>
+          </a:ln>
+        </p:spPr>
+        <p:style>
+          <a:lnRef idx="2">
+            <a:schemeClr val="accent1">
+              <a:shade val="50000"/>
+            </a:schemeClr>
+          </a:lnRef>
+          <a:fillRef idx="1">
+            <a:schemeClr val="accent1"/>
+          </a:fillRef>
+          <a:effectRef idx="0">
+            <a:schemeClr val="accent1"/>
+          </a:effectRef>
+          <a:fontRef idx="minor">
+            <a:schemeClr val="lt1"/>
+          </a:fontRef>
+        </p:style>
+        <p:txBody>
+          <a:bodyPr rtlCol="0" anchor="ctr"/>
+          <a:lstStyle/>
+          <a:p>
+            <a:pPr algn="ctr"/>
+            <a:r>
+              <a:rPr lang="en-US" altLang="ko-KR" dirty="0" smtClean="0">
+                <a:solidFill>
+                  <a:schemeClr val="tx1"/>
+                </a:solidFill>
+              </a:rPr>
+              <a:t>17</a:t>
+            </a:r>
+            <a:endParaRPr lang="en-US" altLang="ko-KR" dirty="0">
+              <a:solidFill>
+                <a:schemeClr val="tx1"/>
+              </a:solidFill>
+            </a:endParaRPr>
+          </a:p>
+          <a:p>
+            <a:pPr algn="ctr"/>
+            <a:r>
+              <a:rPr lang="ko-KR" altLang="en-US" sz="1200" dirty="0" err="1" smtClean="0">
+                <a:solidFill>
+                  <a:schemeClr val="tx1"/>
+                </a:solidFill>
+              </a:rPr>
+              <a:t>장서원</a:t>
+            </a:r>
+            <a:endParaRPr lang="ko-KR" altLang="en-US" sz="1200" dirty="0">
+              <a:solidFill>
+                <a:schemeClr val="tx1"/>
+              </a:solidFill>
+            </a:endParaRPr>
+          </a:p>
+        </p:txBody>
+      </p:sp>
+      <p:sp>
+        <p:nvSpPr>
+          <p:cNvPr id="58" name="TextBox 57">
+            <a:extLst>
+              <a:ext uri="{FF2B5EF4-FFF2-40B4-BE49-F238E27FC236}">
+                <a16:creationId xmlns:a16="http://schemas.microsoft.com/office/drawing/2014/main" id="{60303EAB-E54B-4B2D-B132-44E258DB8257}"/>
+              </a:ext>
+            </a:extLst>
+          </p:cNvPr>
+          <p:cNvSpPr txBox="1"/>
+          <p:nvPr/>
+        </p:nvSpPr>
+        <p:spPr>
+          <a:xfrm>
+            <a:off x="9032316" y="4251810"/>
+            <a:ext cx="2292175" cy="276999"/>
+          </a:xfrm>
+          <a:prstGeom prst="rect">
+            <a:avLst/>
+          </a:prstGeom>
+          <a:noFill/>
+        </p:spPr>
+        <p:txBody>
+          <a:bodyPr wrap="square" lIns="0" tIns="0" rIns="0" bIns="0" rtlCol="0">
+            <a:spAutoFit/>
+          </a:bodyPr>
+          <a:lstStyle/>
+          <a:p>
+            <a:pPr algn="ctr"/>
+            <a:r>
+              <a:rPr lang="en-US" altLang="ko-KR" b="1" spc="-70" dirty="0" err="1" smtClean="0">
+                <a:solidFill>
+                  <a:schemeClr val="bg1"/>
+                </a:solidFill>
+                <a:latin typeface="Arial" panose="020B0604020202020204" pitchFamily="34" charset="0"/>
+                <a:cs typeface="Arial" panose="020B0604020202020204" pitchFamily="34" charset="0"/>
+              </a:rPr>
+              <a:t>Ppt</a:t>
+            </a:r>
+            <a:r>
+              <a:rPr lang="en-US" altLang="ko-KR" b="1" spc="-70" dirty="0" smtClean="0">
+                <a:solidFill>
+                  <a:schemeClr val="bg1"/>
+                </a:solidFill>
+                <a:latin typeface="Arial" panose="020B0604020202020204" pitchFamily="34" charset="0"/>
+                <a:cs typeface="Arial" panose="020B0604020202020204" pitchFamily="34" charset="0"/>
+              </a:rPr>
+              <a:t> </a:t>
+            </a:r>
+            <a:r>
+              <a:rPr lang="ko-KR" altLang="en-US" b="1" spc="-70" dirty="0" smtClean="0">
+                <a:solidFill>
+                  <a:schemeClr val="bg1"/>
+                </a:solidFill>
+                <a:latin typeface="Arial" panose="020B0604020202020204" pitchFamily="34" charset="0"/>
+                <a:cs typeface="Arial" panose="020B0604020202020204" pitchFamily="34" charset="0"/>
+              </a:rPr>
+              <a:t>제작</a:t>
+            </a:r>
+            <a:endParaRPr lang="en-US" altLang="ko-KR" b="1" spc="-70" dirty="0">
+              <a:solidFill>
+                <a:schemeClr val="bg1"/>
+              </a:solidFill>
+              <a:latin typeface="Arial" panose="020B0604020202020204" pitchFamily="34" charset="0"/>
+              <a:cs typeface="Arial" panose="020B0604020202020204" pitchFamily="34" charset="0"/>
+            </a:endParaRPr>
+          </a:p>
+        </p:txBody>
+      </p:sp>
+      <p:sp>
+        <p:nvSpPr>
+          <p:cNvPr id="62" name="object 37">
+            <a:extLst>
+              <a:ext uri="{FF2B5EF4-FFF2-40B4-BE49-F238E27FC236}">
+                <a16:creationId xmlns:a16="http://schemas.microsoft.com/office/drawing/2014/main" id="{2CF56109-CD36-44AA-A426-B125C73AE0A6}"/>
               </a:ext>
             </a:extLst>
           </p:cNvPr>
           <p:cNvSpPr txBox="1">
-            <a:spLocks noGrp="1"/>
+            <a:spLocks/>
           </p:cNvSpPr>
-          <p:nvPr>
-            <p:ph type="title"/>
-          </p:nvPr>
+          <p:nvPr/>
         </p:nvSpPr>
         <p:spPr>
           <a:xfrm>
             <a:off x="452070" y="348602"/>
-            <a:ext cx="2227630" cy="359073"/>
+            <a:ext cx="5059730" cy="359073"/>
           </a:xfrm>
           <a:prstGeom prst="rect">
             <a:avLst/>
           </a:prstGeom>
         </p:spPr>
         <p:txBody>
-          <a:bodyPr vert="horz" wrap="square" lIns="0" tIns="12700" rIns="0" bIns="0" rtlCol="0">
+          <a:bodyPr vert="horz" wrap="square" lIns="0" tIns="12700" rIns="0" bIns="0" rtlCol="0" anchor="ctr">
             <a:spAutoFit/>
           </a:bodyPr>
-          <a:lstStyle/>
+          <a:lstStyle>
+            <a:lvl1pPr algn="l" defTabSz="914400" rtl="0" eaLnBrk="1" latinLnBrk="1" hangingPunct="1">
+              <a:lnSpc>
+                <a:spcPct val="90000"/>
+              </a:lnSpc>
+              <a:spcBef>
+                <a:spcPct val="0"/>
+              </a:spcBef>
+              <a:buNone/>
+              <a:defRPr sz="4400" kern="1200">
+                <a:solidFill>
+                  <a:schemeClr val="tx1"/>
+                </a:solidFill>
+                <a:latin typeface="+mj-lt"/>
+                <a:ea typeface="+mj-ea"/>
+                <a:cs typeface="+mj-cs"/>
+              </a:defRPr>
+            </a:lvl1pPr>
+          </a:lstStyle>
           <a:p>
             <a:pPr marL="12700">
               <a:spcBef>
@@ -7042,33 +7908,17 @@
                 <a:ea typeface="맑은 고딕 Semilight" panose="020B0502040204020203" pitchFamily="50" charset="-127"/>
                 <a:cs typeface="맑은 고딕 Semilight" panose="020B0502040204020203" pitchFamily="50" charset="-127"/>
               </a:rPr>
-              <a:t>02</a:t>
-            </a:r>
-            <a:r>
-              <a:rPr sz="2500" spc="75" dirty="0">
+              <a:t>03.</a:t>
+            </a:r>
+            <a:r>
+              <a:rPr lang="ko-KR" altLang="en-US" sz="2500" spc="135" dirty="0">
                 <a:latin typeface="맑은 고딕 Semilight" panose="020B0502040204020203" pitchFamily="50" charset="-127"/>
                 <a:ea typeface="맑은 고딕 Semilight" panose="020B0502040204020203" pitchFamily="50" charset="-127"/>
                 <a:cs typeface="맑은 고딕 Semilight" panose="020B0502040204020203" pitchFamily="50" charset="-127"/>
               </a:rPr>
-              <a:t>.</a:t>
-            </a:r>
-            <a:r>
-              <a:rPr sz="2500" spc="135" dirty="0">
-                <a:latin typeface="맑은 고딕 Semilight" panose="020B0502040204020203" pitchFamily="50" charset="-127"/>
-                <a:ea typeface="맑은 고딕 Semilight" panose="020B0502040204020203" pitchFamily="50" charset="-127"/>
-                <a:cs typeface="맑은 고딕 Semilight" panose="020B0502040204020203" pitchFamily="50" charset="-127"/>
-              </a:rPr>
-              <a:t> </a:t>
-            </a:r>
-            <a:r>
-              <a:rPr lang="ko-KR" altLang="en-US" sz="2500" spc="-40" dirty="0">
-                <a:latin typeface="맑은 고딕 Semilight" panose="020B0502040204020203" pitchFamily="50" charset="-127"/>
-                <a:ea typeface="맑은 고딕 Semilight" panose="020B0502040204020203" pitchFamily="50" charset="-127"/>
-                <a:cs typeface="맑은 고딕 Semilight" panose="020B0502040204020203" pitchFamily="50" charset="-127"/>
-              </a:rPr>
-              <a:t>개발 환경</a:t>
-            </a:r>
-            <a:endParaRPr sz="2500" spc="-40" dirty="0">
+              <a:t> 각 조원 및 맡은 역할</a:t>
+            </a:r>
+            <a:endParaRPr lang="ko-KR" altLang="en-US" sz="2500" spc="-40" dirty="0">
               <a:latin typeface="맑은 고딕 Semilight" panose="020B0502040204020203" pitchFamily="50" charset="-127"/>
               <a:ea typeface="맑은 고딕 Semilight" panose="020B0502040204020203" pitchFamily="50" charset="-127"/>
               <a:cs typeface="맑은 고딕 Semilight" panose="020B0502040204020203" pitchFamily="50" charset="-127"/>
@@ -7076,34 +7926,10 @@
           </a:p>
         </p:txBody>
       </p:sp>
-      <p:pic>
-        <p:nvPicPr>
-          <p:cNvPr id="4" name="그림 3"/>
-          <p:cNvPicPr>
-            <a:picLocks noChangeAspect="1"/>
-          </p:cNvPicPr>
-          <p:nvPr/>
-        </p:nvPicPr>
-        <p:blipFill>
-          <a:blip r:embed="rId2"/>
-          <a:stretch>
-            <a:fillRect/>
-          </a:stretch>
-        </p:blipFill>
-        <p:spPr>
-          <a:xfrm>
-            <a:off x="3935290" y="3279531"/>
-            <a:ext cx="4380800" cy="1757270"/>
-          </a:xfrm>
-          <a:prstGeom prst="rect">
-            <a:avLst/>
-          </a:prstGeom>
-        </p:spPr>
-      </p:pic>
     </p:spTree>
     <p:extLst>
       <p:ext uri="{BB962C8B-B14F-4D97-AF65-F5344CB8AC3E}">
-        <p14:creationId xmlns:p14="http://schemas.microsoft.com/office/powerpoint/2010/main" val="695740213"/>
+        <p14:creationId xmlns:p14="http://schemas.microsoft.com/office/powerpoint/2010/main" val="3058113609"/>
       </p:ext>
     </p:extLst>
   </p:cSld>
@@ -7132,10 +7958,10 @@
       </p:grpSpPr>
       <p:sp>
         <p:nvSpPr>
-          <p:cNvPr id="33" name="직사각형 32">
+          <p:cNvPr id="9" name="직사각형 8">
             <a:extLst>
               <a:ext uri="{FF2B5EF4-FFF2-40B4-BE49-F238E27FC236}">
-                <a16:creationId xmlns:a16="http://schemas.microsoft.com/office/drawing/2014/main" id="{773DC80C-6B15-4D3B-9502-7A0E7FCE4A01}"/>
+                <a16:creationId xmlns:a16="http://schemas.microsoft.com/office/drawing/2014/main" id="{083EF0C5-AAA4-4B34-A2D6-2BFFC0F10226}"/>
               </a:ext>
             </a:extLst>
           </p:cNvPr>
@@ -7144,17 +7970,17 @@
         </p:nvSpPr>
         <p:spPr>
           <a:xfrm>
-            <a:off x="4503418" y="1254893"/>
-            <a:ext cx="3167916" cy="711200"/>
+            <a:off x="348343" y="1602377"/>
+            <a:ext cx="11521440" cy="4772297"/>
           </a:xfrm>
           <a:prstGeom prst="rect">
             <a:avLst/>
           </a:prstGeom>
-          <a:solidFill>
-            <a:srgbClr val="344574"/>
-          </a:solidFill>
+          <a:noFill/>
           <a:ln>
-            <a:noFill/>
+            <a:solidFill>
+              <a:schemeClr val="tx1"/>
+            </a:solidFill>
           </a:ln>
         </p:spPr>
         <p:style>
@@ -7178,77 +8004,16 @@
           <a:lstStyle/>
           <a:p>
             <a:pPr algn="ctr"/>
-            <a:r>
-              <a:rPr lang="en-US" altLang="ko-KR" sz="2700" dirty="0">
-                <a:latin typeface="HY견고딕" panose="02030600000101010101" pitchFamily="18" charset="-127"/>
-                <a:ea typeface="HY견고딕" panose="02030600000101010101" pitchFamily="18" charset="-127"/>
-              </a:rPr>
-              <a:t>[</a:t>
-            </a:r>
-            <a:r>
-              <a:rPr lang="ko-KR" altLang="en-US" sz="2700" dirty="0">
-                <a:latin typeface="HY견고딕" panose="02030600000101010101" pitchFamily="18" charset="-127"/>
-                <a:ea typeface="HY견고딕" panose="02030600000101010101" pitchFamily="18" charset="-127"/>
-              </a:rPr>
-              <a:t>조원 및 역할</a:t>
-            </a:r>
-            <a:r>
-              <a:rPr lang="en-US" altLang="ko-KR" sz="2700" dirty="0">
-                <a:latin typeface="HY견고딕" panose="02030600000101010101" pitchFamily="18" charset="-127"/>
-                <a:ea typeface="HY견고딕" panose="02030600000101010101" pitchFamily="18" charset="-127"/>
-              </a:rPr>
-              <a:t>]</a:t>
-            </a:r>
-            <a:endParaRPr lang="ko-KR" altLang="en-US" sz="2700" dirty="0">
-              <a:latin typeface="HY견고딕" panose="02030600000101010101" pitchFamily="18" charset="-127"/>
-              <a:ea typeface="HY견고딕" panose="02030600000101010101" pitchFamily="18" charset="-127"/>
-            </a:endParaRPr>
-          </a:p>
-        </p:txBody>
-      </p:sp>
-      <p:sp>
-        <p:nvSpPr>
-          <p:cNvPr id="3" name="TextBox 2">
+            <a:endParaRPr lang="ko-KR" altLang="en-US"/>
+          </a:p>
+        </p:txBody>
+      </p:sp>
+      <p:sp>
+        <p:nvSpPr>
+          <p:cNvPr id="13" name="직사각형 12">
             <a:extLst>
               <a:ext uri="{FF2B5EF4-FFF2-40B4-BE49-F238E27FC236}">
-                <a16:creationId xmlns:a16="http://schemas.microsoft.com/office/drawing/2014/main" id="{8E5C6A4F-2DB9-4F63-8A6B-6DD863A7C4EF}"/>
-              </a:ext>
-            </a:extLst>
-          </p:cNvPr>
-          <p:cNvSpPr txBox="1"/>
-          <p:nvPr/>
-        </p:nvSpPr>
-        <p:spPr>
-          <a:xfrm>
-            <a:off x="11464709" y="6453050"/>
-            <a:ext cx="508474" cy="369332"/>
-          </a:xfrm>
-          <a:prstGeom prst="rect">
-            <a:avLst/>
-          </a:prstGeom>
-          <a:noFill/>
-        </p:spPr>
-        <p:txBody>
-          <a:bodyPr wrap="none" rtlCol="0">
-            <a:spAutoFit/>
-          </a:bodyPr>
-          <a:lstStyle/>
-          <a:p>
-            <a:pPr algn="r"/>
-            <a:r>
-              <a:rPr lang="en-US" altLang="ko-KR" dirty="0"/>
-              <a:t>5/9</a:t>
-            </a:r>
-            <a:endParaRPr lang="ko-KR" altLang="en-US" dirty="0"/>
-          </a:p>
-        </p:txBody>
-      </p:sp>
-      <p:sp>
-        <p:nvSpPr>
-          <p:cNvPr id="20" name="직사각형 19">
-            <a:extLst>
-              <a:ext uri="{FF2B5EF4-FFF2-40B4-BE49-F238E27FC236}">
-                <a16:creationId xmlns:a16="http://schemas.microsoft.com/office/drawing/2014/main" id="{BEB093DA-B87E-4019-AD58-B84A4FF83CC2}"/>
+                <a16:creationId xmlns:a16="http://schemas.microsoft.com/office/drawing/2014/main" id="{99CA10BD-C2A5-4911-A7DA-507011F984C1}"/>
               </a:ext>
             </a:extLst>
           </p:cNvPr>
@@ -7257,14 +8022,14 @@
         </p:nvSpPr>
         <p:spPr>
           <a:xfrm>
-            <a:off x="867660" y="2127739"/>
-            <a:ext cx="2882719" cy="4096712"/>
+            <a:off x="5760720" y="345259"/>
+            <a:ext cx="5961888" cy="711200"/>
           </a:xfrm>
           <a:prstGeom prst="rect">
             <a:avLst/>
           </a:prstGeom>
           <a:solidFill>
-            <a:srgbClr val="696969"/>
+            <a:srgbClr val="344574"/>
           </a:solidFill>
           <a:ln>
             <a:noFill/>
@@ -7291,592 +8056,26 @@
           <a:lstStyle/>
           <a:p>
             <a:pPr algn="ctr"/>
-            <a:endParaRPr lang="ko-KR" altLang="en-US" dirty="0"/>
-          </a:p>
-        </p:txBody>
-      </p:sp>
-      <p:sp>
-        <p:nvSpPr>
-          <p:cNvPr id="21" name="직사각형 20">
+            <a:r>
+              <a:rPr lang="ko-KR" altLang="en-US" sz="2700" dirty="0" smtClean="0">
+                <a:latin typeface="HY견고딕" panose="02030600000101010101" pitchFamily="18" charset="-127"/>
+                <a:ea typeface="HY견고딕" panose="02030600000101010101" pitchFamily="18" charset="-127"/>
+              </a:rPr>
+              <a:t>예약</a:t>
+            </a:r>
+            <a:endParaRPr lang="ko-KR" altLang="en-US" sz="2700" dirty="0">
+              <a:latin typeface="HY견고딕" panose="02030600000101010101" pitchFamily="18" charset="-127"/>
+              <a:ea typeface="HY견고딕" panose="02030600000101010101" pitchFamily="18" charset="-127"/>
+            </a:endParaRPr>
+          </a:p>
+        </p:txBody>
+      </p:sp>
+      <p:sp>
+        <p:nvSpPr>
+          <p:cNvPr id="17" name="object 37">
             <a:extLst>
               <a:ext uri="{FF2B5EF4-FFF2-40B4-BE49-F238E27FC236}">
-                <a16:creationId xmlns:a16="http://schemas.microsoft.com/office/drawing/2014/main" id="{D6D15D08-F733-4A49-842F-CD732C2AE794}"/>
-              </a:ext>
-            </a:extLst>
-          </p:cNvPr>
-          <p:cNvSpPr/>
-          <p:nvPr/>
-        </p:nvSpPr>
-        <p:spPr>
-          <a:xfrm>
-            <a:off x="4678450" y="2127739"/>
-            <a:ext cx="2882719" cy="4096712"/>
-          </a:xfrm>
-          <a:prstGeom prst="rect">
-            <a:avLst/>
-          </a:prstGeom>
-          <a:solidFill>
-            <a:srgbClr val="C0A076"/>
-          </a:solidFill>
-          <a:ln>
-            <a:noFill/>
-          </a:ln>
-        </p:spPr>
-        <p:style>
-          <a:lnRef idx="2">
-            <a:schemeClr val="accent1">
-              <a:shade val="50000"/>
-            </a:schemeClr>
-          </a:lnRef>
-          <a:fillRef idx="1">
-            <a:schemeClr val="accent1"/>
-          </a:fillRef>
-          <a:effectRef idx="0">
-            <a:schemeClr val="accent1"/>
-          </a:effectRef>
-          <a:fontRef idx="minor">
-            <a:schemeClr val="lt1"/>
-          </a:fontRef>
-        </p:style>
-        <p:txBody>
-          <a:bodyPr rtlCol="0" anchor="ctr"/>
-          <a:lstStyle/>
-          <a:p>
-            <a:pPr algn="ctr"/>
-            <a:endParaRPr lang="ko-KR" altLang="en-US"/>
-          </a:p>
-        </p:txBody>
-      </p:sp>
-      <p:sp>
-        <p:nvSpPr>
-          <p:cNvPr id="22" name="직사각형 21">
-            <a:extLst>
-              <a:ext uri="{FF2B5EF4-FFF2-40B4-BE49-F238E27FC236}">
-                <a16:creationId xmlns:a16="http://schemas.microsoft.com/office/drawing/2014/main" id="{388F9C7F-3D13-4AA4-BD6B-DC6F022452FC}"/>
-              </a:ext>
-            </a:extLst>
-          </p:cNvPr>
-          <p:cNvSpPr/>
-          <p:nvPr/>
-        </p:nvSpPr>
-        <p:spPr>
-          <a:xfrm>
-            <a:off x="8319992" y="2127739"/>
-            <a:ext cx="2882719" cy="4096712"/>
-          </a:xfrm>
-          <a:prstGeom prst="rect">
-            <a:avLst/>
-          </a:prstGeom>
-          <a:solidFill>
-            <a:srgbClr val="696969"/>
-          </a:solidFill>
-          <a:ln>
-            <a:noFill/>
-          </a:ln>
-        </p:spPr>
-        <p:style>
-          <a:lnRef idx="2">
-            <a:schemeClr val="accent1">
-              <a:shade val="50000"/>
-            </a:schemeClr>
-          </a:lnRef>
-          <a:fillRef idx="1">
-            <a:schemeClr val="accent1"/>
-          </a:fillRef>
-          <a:effectRef idx="0">
-            <a:schemeClr val="accent1"/>
-          </a:effectRef>
-          <a:fontRef idx="minor">
-            <a:schemeClr val="lt1"/>
-          </a:fontRef>
-        </p:style>
-        <p:txBody>
-          <a:bodyPr rtlCol="0" anchor="ctr"/>
-          <a:lstStyle/>
-          <a:p>
-            <a:pPr algn="ctr"/>
-            <a:endParaRPr lang="ko-KR" altLang="en-US"/>
-          </a:p>
-        </p:txBody>
-      </p:sp>
-      <p:sp>
-        <p:nvSpPr>
-          <p:cNvPr id="25" name="타원 24">
-            <a:extLst>
-              <a:ext uri="{FF2B5EF4-FFF2-40B4-BE49-F238E27FC236}">
-                <a16:creationId xmlns:a16="http://schemas.microsoft.com/office/drawing/2014/main" id="{D2BAD30D-9749-4701-B33A-C71C828D9ED1}"/>
-              </a:ext>
-            </a:extLst>
-          </p:cNvPr>
-          <p:cNvSpPr/>
-          <p:nvPr/>
-        </p:nvSpPr>
-        <p:spPr>
-          <a:xfrm>
-            <a:off x="1575195" y="2167725"/>
-            <a:ext cx="1467650" cy="1247013"/>
-          </a:xfrm>
-          <a:prstGeom prst="ellipse">
-            <a:avLst/>
-          </a:prstGeom>
-          <a:solidFill>
-            <a:schemeClr val="bg1">
-              <a:lumMod val="85000"/>
-            </a:schemeClr>
-          </a:solidFill>
-          <a:ln>
-            <a:noFill/>
-          </a:ln>
-        </p:spPr>
-        <p:style>
-          <a:lnRef idx="2">
-            <a:schemeClr val="accent1">
-              <a:shade val="50000"/>
-            </a:schemeClr>
-          </a:lnRef>
-          <a:fillRef idx="1">
-            <a:schemeClr val="accent1"/>
-          </a:fillRef>
-          <a:effectRef idx="0">
-            <a:schemeClr val="accent1"/>
-          </a:effectRef>
-          <a:fontRef idx="minor">
-            <a:schemeClr val="lt1"/>
-          </a:fontRef>
-        </p:style>
-        <p:txBody>
-          <a:bodyPr rtlCol="0" anchor="ctr"/>
-          <a:lstStyle/>
-          <a:p>
-            <a:pPr algn="ctr"/>
-            <a:r>
-              <a:rPr lang="en-US" altLang="ko-KR" dirty="0" smtClean="0">
-                <a:solidFill>
-                  <a:schemeClr val="tx1"/>
-                </a:solidFill>
-              </a:rPr>
-              <a:t>17</a:t>
-            </a:r>
-            <a:endParaRPr lang="en-US" altLang="ko-KR" dirty="0">
-              <a:solidFill>
-                <a:schemeClr val="tx1"/>
-              </a:solidFill>
-            </a:endParaRPr>
-          </a:p>
-          <a:p>
-            <a:pPr algn="ctr"/>
-            <a:r>
-              <a:rPr lang="ko-KR" altLang="en-US" sz="1200" dirty="0" smtClean="0">
-                <a:solidFill>
-                  <a:schemeClr val="tx1"/>
-                </a:solidFill>
-              </a:rPr>
-              <a:t>박건우</a:t>
-            </a:r>
-            <a:endParaRPr lang="ko-KR" altLang="en-US" sz="1200" dirty="0">
-              <a:solidFill>
-                <a:schemeClr val="tx1"/>
-              </a:solidFill>
-            </a:endParaRPr>
-          </a:p>
-        </p:txBody>
-      </p:sp>
-      <p:sp>
-        <p:nvSpPr>
-          <p:cNvPr id="38" name="TextBox 37">
-            <a:extLst>
-              <a:ext uri="{FF2B5EF4-FFF2-40B4-BE49-F238E27FC236}">
-                <a16:creationId xmlns:a16="http://schemas.microsoft.com/office/drawing/2014/main" id="{D64026EA-BB8B-43E0-982A-766A2E5F354C}"/>
-              </a:ext>
-            </a:extLst>
-          </p:cNvPr>
-          <p:cNvSpPr txBox="1"/>
-          <p:nvPr/>
-        </p:nvSpPr>
-        <p:spPr>
-          <a:xfrm>
-            <a:off x="1982158" y="4184044"/>
-            <a:ext cx="659722" cy="512064"/>
-          </a:xfrm>
-          <a:prstGeom prst="rect">
-            <a:avLst/>
-          </a:prstGeom>
-          <a:noFill/>
-        </p:spPr>
-        <p:txBody>
-          <a:bodyPr wrap="square" lIns="0" tIns="0" rIns="0" bIns="0" rtlCol="0">
-            <a:spAutoFit/>
-          </a:bodyPr>
-          <a:lstStyle/>
-          <a:p>
-            <a:pPr algn="ctr"/>
-            <a:r>
-              <a:rPr lang="ko-KR" altLang="en-US" b="1" spc="-70" dirty="0">
-                <a:solidFill>
-                  <a:schemeClr val="bg1"/>
-                </a:solidFill>
-                <a:latin typeface="Arial" panose="020B0604020202020204" pitchFamily="34" charset="0"/>
-                <a:cs typeface="Arial" panose="020B0604020202020204" pitchFamily="34" charset="0"/>
-              </a:rPr>
-              <a:t>팀원</a:t>
-            </a:r>
-            <a:endParaRPr lang="en-US" altLang="ko-KR" b="1" spc="-70" dirty="0">
-              <a:solidFill>
-                <a:schemeClr val="bg1"/>
-              </a:solidFill>
-              <a:latin typeface="Arial" panose="020B0604020202020204" pitchFamily="34" charset="0"/>
-              <a:cs typeface="Arial" panose="020B0604020202020204" pitchFamily="34" charset="0"/>
-            </a:endParaRPr>
-          </a:p>
-          <a:p>
-            <a:pPr algn="ctr"/>
-            <a:endParaRPr lang="en-US" altLang="ko-KR" sz="1400" b="1" spc="-70" dirty="0">
-              <a:solidFill>
-                <a:schemeClr val="bg1"/>
-              </a:solidFill>
-              <a:latin typeface="Arial" panose="020B0604020202020204" pitchFamily="34" charset="0"/>
-              <a:cs typeface="Arial" panose="020B0604020202020204" pitchFamily="34" charset="0"/>
-            </a:endParaRPr>
-          </a:p>
-        </p:txBody>
-      </p:sp>
-      <p:sp>
-        <p:nvSpPr>
-          <p:cNvPr id="39" name="TextBox 38">
-            <a:extLst>
-              <a:ext uri="{FF2B5EF4-FFF2-40B4-BE49-F238E27FC236}">
-                <a16:creationId xmlns:a16="http://schemas.microsoft.com/office/drawing/2014/main" id="{AEBCBEE0-4DCD-46F9-8F1B-C7DD9A105146}"/>
-              </a:ext>
-            </a:extLst>
-          </p:cNvPr>
-          <p:cNvSpPr txBox="1"/>
-          <p:nvPr/>
-        </p:nvSpPr>
-        <p:spPr>
-          <a:xfrm>
-            <a:off x="1209568" y="5137717"/>
-            <a:ext cx="2198905" cy="192024"/>
-          </a:xfrm>
-          <a:prstGeom prst="rect">
-            <a:avLst/>
-          </a:prstGeom>
-          <a:noFill/>
-        </p:spPr>
-        <p:txBody>
-          <a:bodyPr wrap="square" lIns="0" tIns="0" rIns="0" bIns="0" rtlCol="0">
-            <a:spAutoFit/>
-          </a:bodyPr>
-          <a:lstStyle/>
-          <a:p>
-            <a:pPr algn="ctr"/>
-            <a:r>
-              <a:rPr lang="en-US" altLang="ko-KR" sz="1200" spc="-50" dirty="0" smtClean="0">
-                <a:solidFill>
-                  <a:schemeClr val="bg1"/>
-                </a:solidFill>
-                <a:latin typeface="Arial" panose="020B0604020202020204" pitchFamily="34" charset="0"/>
-                <a:cs typeface="Arial" panose="020B0604020202020204" pitchFamily="34" charset="0"/>
-              </a:rPr>
-              <a:t>20174289</a:t>
-            </a:r>
-            <a:endParaRPr lang="en-US" altLang="ko-KR" sz="1200" spc="-50" dirty="0">
-              <a:solidFill>
-                <a:schemeClr val="bg1"/>
-              </a:solidFill>
-              <a:latin typeface="Arial" panose="020B0604020202020204" pitchFamily="34" charset="0"/>
-              <a:cs typeface="Arial" panose="020B0604020202020204" pitchFamily="34" charset="0"/>
-            </a:endParaRPr>
-          </a:p>
-        </p:txBody>
-      </p:sp>
-      <p:sp>
-        <p:nvSpPr>
-          <p:cNvPr id="40" name="타원 39">
-            <a:extLst>
-              <a:ext uri="{FF2B5EF4-FFF2-40B4-BE49-F238E27FC236}">
-                <a16:creationId xmlns:a16="http://schemas.microsoft.com/office/drawing/2014/main" id="{775EE6FB-5AFB-46EF-B7AF-E7B8040E623A}"/>
-              </a:ext>
-            </a:extLst>
-          </p:cNvPr>
-          <p:cNvSpPr/>
-          <p:nvPr/>
-        </p:nvSpPr>
-        <p:spPr>
-          <a:xfrm>
-            <a:off x="5385984" y="2167725"/>
-            <a:ext cx="1467650" cy="1247013"/>
-          </a:xfrm>
-          <a:prstGeom prst="ellipse">
-            <a:avLst/>
-          </a:prstGeom>
-          <a:solidFill>
-            <a:schemeClr val="bg1">
-              <a:lumMod val="85000"/>
-            </a:schemeClr>
-          </a:solidFill>
-          <a:ln>
-            <a:noFill/>
-          </a:ln>
-        </p:spPr>
-        <p:style>
-          <a:lnRef idx="2">
-            <a:schemeClr val="accent1">
-              <a:shade val="50000"/>
-            </a:schemeClr>
-          </a:lnRef>
-          <a:fillRef idx="1">
-            <a:schemeClr val="accent1"/>
-          </a:fillRef>
-          <a:effectRef idx="0">
-            <a:schemeClr val="accent1"/>
-          </a:effectRef>
-          <a:fontRef idx="minor">
-            <a:schemeClr val="lt1"/>
-          </a:fontRef>
-        </p:style>
-        <p:txBody>
-          <a:bodyPr rtlCol="0" anchor="ctr"/>
-          <a:lstStyle/>
-          <a:p>
-            <a:pPr algn="ctr"/>
-            <a:r>
-              <a:rPr lang="en-US" altLang="ko-KR" dirty="0" smtClean="0">
-                <a:solidFill>
-                  <a:schemeClr val="tx1"/>
-                </a:solidFill>
-              </a:rPr>
-              <a:t>17</a:t>
-            </a:r>
-            <a:endParaRPr lang="en-US" altLang="ko-KR" dirty="0">
-              <a:solidFill>
-                <a:schemeClr val="tx1"/>
-              </a:solidFill>
-            </a:endParaRPr>
-          </a:p>
-          <a:p>
-            <a:pPr algn="ctr"/>
-            <a:r>
-              <a:rPr lang="ko-KR" altLang="en-US" sz="1200" dirty="0" smtClean="0">
-                <a:solidFill>
-                  <a:schemeClr val="tx1"/>
-                </a:solidFill>
-              </a:rPr>
-              <a:t>조민호</a:t>
-            </a:r>
-            <a:endParaRPr lang="ko-KR" altLang="en-US" sz="1200" dirty="0">
-              <a:solidFill>
-                <a:schemeClr val="tx1"/>
-              </a:solidFill>
-            </a:endParaRPr>
-          </a:p>
-        </p:txBody>
-      </p:sp>
-      <p:sp>
-        <p:nvSpPr>
-          <p:cNvPr id="41" name="TextBox 40">
-            <a:extLst>
-              <a:ext uri="{FF2B5EF4-FFF2-40B4-BE49-F238E27FC236}">
-                <a16:creationId xmlns:a16="http://schemas.microsoft.com/office/drawing/2014/main" id="{F1E9CD4F-43A9-44B5-BBD7-2BC931ACDD1D}"/>
-              </a:ext>
-            </a:extLst>
-          </p:cNvPr>
-          <p:cNvSpPr txBox="1"/>
-          <p:nvPr/>
-        </p:nvSpPr>
-        <p:spPr>
-          <a:xfrm>
-            <a:off x="5840853" y="4254380"/>
-            <a:ext cx="659722" cy="512064"/>
-          </a:xfrm>
-          <a:prstGeom prst="rect">
-            <a:avLst/>
-          </a:prstGeom>
-          <a:noFill/>
-        </p:spPr>
-        <p:txBody>
-          <a:bodyPr wrap="square" lIns="0" tIns="0" rIns="0" bIns="0" rtlCol="0">
-            <a:spAutoFit/>
-          </a:bodyPr>
-          <a:lstStyle/>
-          <a:p>
-            <a:pPr algn="ctr"/>
-            <a:r>
-              <a:rPr lang="ko-KR" altLang="en-US" b="1" spc="-70" dirty="0">
-                <a:solidFill>
-                  <a:schemeClr val="bg1"/>
-                </a:solidFill>
-                <a:latin typeface="Arial" panose="020B0604020202020204" pitchFamily="34" charset="0"/>
-                <a:cs typeface="Arial" panose="020B0604020202020204" pitchFamily="34" charset="0"/>
-              </a:rPr>
-              <a:t>팀원</a:t>
-            </a:r>
-            <a:endParaRPr lang="en-US" altLang="ko-KR" b="1" spc="-70" dirty="0">
-              <a:solidFill>
-                <a:schemeClr val="bg1"/>
-              </a:solidFill>
-              <a:latin typeface="Arial" panose="020B0604020202020204" pitchFamily="34" charset="0"/>
-              <a:cs typeface="Arial" panose="020B0604020202020204" pitchFamily="34" charset="0"/>
-            </a:endParaRPr>
-          </a:p>
-          <a:p>
-            <a:pPr algn="ctr"/>
-            <a:endParaRPr lang="en-US" altLang="ko-KR" sz="1400" b="1" spc="-70" dirty="0">
-              <a:solidFill>
-                <a:schemeClr val="bg1"/>
-              </a:solidFill>
-              <a:latin typeface="Arial" panose="020B0604020202020204" pitchFamily="34" charset="0"/>
-              <a:cs typeface="Arial" panose="020B0604020202020204" pitchFamily="34" charset="0"/>
-            </a:endParaRPr>
-          </a:p>
-        </p:txBody>
-      </p:sp>
-      <p:sp>
-        <p:nvSpPr>
-          <p:cNvPr id="43" name="타원 42">
-            <a:extLst>
-              <a:ext uri="{FF2B5EF4-FFF2-40B4-BE49-F238E27FC236}">
-                <a16:creationId xmlns:a16="http://schemas.microsoft.com/office/drawing/2014/main" id="{A56C2F33-A7F7-4F49-B024-061F6B6929C2}"/>
-              </a:ext>
-            </a:extLst>
-          </p:cNvPr>
-          <p:cNvSpPr/>
-          <p:nvPr/>
-        </p:nvSpPr>
-        <p:spPr>
-          <a:xfrm>
-            <a:off x="9027526" y="2167726"/>
-            <a:ext cx="1467650" cy="1247013"/>
-          </a:xfrm>
-          <a:prstGeom prst="ellipse">
-            <a:avLst/>
-          </a:prstGeom>
-          <a:solidFill>
-            <a:schemeClr val="bg1">
-              <a:lumMod val="85000"/>
-            </a:schemeClr>
-          </a:solidFill>
-          <a:ln>
-            <a:noFill/>
-          </a:ln>
-        </p:spPr>
-        <p:style>
-          <a:lnRef idx="2">
-            <a:schemeClr val="accent1">
-              <a:shade val="50000"/>
-            </a:schemeClr>
-          </a:lnRef>
-          <a:fillRef idx="1">
-            <a:schemeClr val="accent1"/>
-          </a:fillRef>
-          <a:effectRef idx="0">
-            <a:schemeClr val="accent1"/>
-          </a:effectRef>
-          <a:fontRef idx="minor">
-            <a:schemeClr val="lt1"/>
-          </a:fontRef>
-        </p:style>
-        <p:txBody>
-          <a:bodyPr rtlCol="0" anchor="ctr"/>
-          <a:lstStyle/>
-          <a:p>
-            <a:pPr algn="ctr"/>
-            <a:r>
-              <a:rPr lang="en-US" altLang="ko-KR" dirty="0" smtClean="0">
-                <a:solidFill>
-                  <a:schemeClr val="tx1"/>
-                </a:solidFill>
-              </a:rPr>
-              <a:t>17</a:t>
-            </a:r>
-            <a:endParaRPr lang="en-US" altLang="ko-KR" dirty="0">
-              <a:solidFill>
-                <a:schemeClr val="tx1"/>
-              </a:solidFill>
-            </a:endParaRPr>
-          </a:p>
-          <a:p>
-            <a:pPr algn="ctr"/>
-            <a:r>
-              <a:rPr lang="ko-KR" altLang="en-US" sz="1200" dirty="0" err="1" smtClean="0">
-                <a:solidFill>
-                  <a:schemeClr val="tx1"/>
-                </a:solidFill>
-              </a:rPr>
-              <a:t>장서원</a:t>
-            </a:r>
-            <a:endParaRPr lang="ko-KR" altLang="en-US" sz="1200" dirty="0">
-              <a:solidFill>
-                <a:schemeClr val="tx1"/>
-              </a:solidFill>
-            </a:endParaRPr>
-          </a:p>
-        </p:txBody>
-      </p:sp>
-      <p:sp>
-        <p:nvSpPr>
-          <p:cNvPr id="58" name="TextBox 57">
-            <a:extLst>
-              <a:ext uri="{FF2B5EF4-FFF2-40B4-BE49-F238E27FC236}">
-                <a16:creationId xmlns:a16="http://schemas.microsoft.com/office/drawing/2014/main" id="{60303EAB-E54B-4B2D-B132-44E258DB8257}"/>
-              </a:ext>
-            </a:extLst>
-          </p:cNvPr>
-          <p:cNvSpPr txBox="1"/>
-          <p:nvPr/>
-        </p:nvSpPr>
-        <p:spPr>
-          <a:xfrm>
-            <a:off x="9032317" y="4251810"/>
-            <a:ext cx="659722" cy="512064"/>
-          </a:xfrm>
-          <a:prstGeom prst="rect">
-            <a:avLst/>
-          </a:prstGeom>
-          <a:noFill/>
-        </p:spPr>
-        <p:txBody>
-          <a:bodyPr wrap="square" lIns="0" tIns="0" rIns="0" bIns="0" rtlCol="0">
-            <a:spAutoFit/>
-          </a:bodyPr>
-          <a:lstStyle/>
-          <a:p>
-            <a:pPr algn="ctr"/>
-            <a:r>
-              <a:rPr lang="ko-KR" altLang="en-US" b="1" spc="-70" dirty="0">
-                <a:solidFill>
-                  <a:schemeClr val="bg1"/>
-                </a:solidFill>
-                <a:latin typeface="Arial" panose="020B0604020202020204" pitchFamily="34" charset="0"/>
-                <a:cs typeface="Arial" panose="020B0604020202020204" pitchFamily="34" charset="0"/>
-              </a:rPr>
-              <a:t>팀원</a:t>
-            </a:r>
-            <a:endParaRPr lang="en-US" altLang="ko-KR" b="1" spc="-70" dirty="0">
-              <a:solidFill>
-                <a:schemeClr val="bg1"/>
-              </a:solidFill>
-              <a:latin typeface="Arial" panose="020B0604020202020204" pitchFamily="34" charset="0"/>
-              <a:cs typeface="Arial" panose="020B0604020202020204" pitchFamily="34" charset="0"/>
-            </a:endParaRPr>
-          </a:p>
-          <a:p>
-            <a:pPr algn="ctr"/>
-            <a:endParaRPr lang="en-US" altLang="ko-KR" sz="1400" b="1" spc="-70" dirty="0">
-              <a:solidFill>
-                <a:schemeClr val="bg1"/>
-              </a:solidFill>
-              <a:latin typeface="Arial" panose="020B0604020202020204" pitchFamily="34" charset="0"/>
-              <a:cs typeface="Arial" panose="020B0604020202020204" pitchFamily="34" charset="0"/>
-            </a:endParaRPr>
-          </a:p>
-        </p:txBody>
-      </p:sp>
-      <p:sp>
-        <p:nvSpPr>
-          <p:cNvPr id="62" name="object 37">
-            <a:extLst>
-              <a:ext uri="{FF2B5EF4-FFF2-40B4-BE49-F238E27FC236}">
-                <a16:creationId xmlns:a16="http://schemas.microsoft.com/office/drawing/2014/main" id="{2CF56109-CD36-44AA-A426-B125C73AE0A6}"/>
+                <a16:creationId xmlns:a16="http://schemas.microsoft.com/office/drawing/2014/main" id="{D5A6CCC6-3D3B-4FFF-BDC3-73B7060E4DA1}"/>
               </a:ext>
             </a:extLst>
           </p:cNvPr>
@@ -7887,8 +8086,8 @@
         </p:nvSpPr>
         <p:spPr>
           <a:xfrm>
-            <a:off x="452070" y="348602"/>
-            <a:ext cx="5059730" cy="359073"/>
+            <a:off x="452069" y="348602"/>
+            <a:ext cx="2889007" cy="359073"/>
           </a:xfrm>
           <a:prstGeom prst="rect">
             <a:avLst/>
@@ -7924,20 +8123,28 @@
               </a:spcBef>
             </a:pPr>
             <a:r>
-              <a:rPr lang="en-US" altLang="ko-KR" sz="2500" spc="75" dirty="0">
+              <a:rPr lang="en-US" sz="2500" spc="75" dirty="0" smtClean="0">
                 <a:latin typeface="맑은 고딕 Semilight" panose="020B0502040204020203" pitchFamily="50" charset="-127"/>
                 <a:ea typeface="맑은 고딕 Semilight" panose="020B0502040204020203" pitchFamily="50" charset="-127"/>
                 <a:cs typeface="맑은 고딕 Semilight" panose="020B0502040204020203" pitchFamily="50" charset="-127"/>
               </a:rPr>
-              <a:t>03.</a:t>
-            </a:r>
-            <a:r>
-              <a:rPr lang="ko-KR" altLang="en-US" sz="2500" spc="135" dirty="0">
+              <a:t>04. </a:t>
+            </a:r>
+            <a:r>
+              <a:rPr lang="ko-KR" altLang="en-US" sz="2500" spc="75" dirty="0" smtClean="0">
                 <a:latin typeface="맑은 고딕 Semilight" panose="020B0502040204020203" pitchFamily="50" charset="-127"/>
                 <a:ea typeface="맑은 고딕 Semilight" panose="020B0502040204020203" pitchFamily="50" charset="-127"/>
                 <a:cs typeface="맑은 고딕 Semilight" panose="020B0502040204020203" pitchFamily="50" charset="-127"/>
               </a:rPr>
-              <a:t> 각 조원 및 맡은 역할</a:t>
+              <a:t>프로젝트 결과</a:t>
+            </a:r>
+            <a:r>
+              <a:rPr lang="en-US" sz="2500" spc="135" dirty="0" smtClean="0">
+                <a:latin typeface="맑은 고딕 Semilight" panose="020B0502040204020203" pitchFamily="50" charset="-127"/>
+                <a:ea typeface="맑은 고딕 Semilight" panose="020B0502040204020203" pitchFamily="50" charset="-127"/>
+                <a:cs typeface="맑은 고딕 Semilight" panose="020B0502040204020203" pitchFamily="50" charset="-127"/>
+              </a:rPr>
+              <a:t> </a:t>
             </a:r>
             <a:endParaRPr lang="ko-KR" altLang="en-US" sz="2500" spc="-40" dirty="0">
               <a:latin typeface="맑은 고딕 Semilight" panose="020B0502040204020203" pitchFamily="50" charset="-127"/>
@@ -7947,10 +8154,109 @@
           </a:p>
         </p:txBody>
       </p:sp>
+      <p:sp>
+        <p:nvSpPr>
+          <p:cNvPr id="15" name="TextBox 14">
+            <a:extLst>
+              <a:ext uri="{FF2B5EF4-FFF2-40B4-BE49-F238E27FC236}">
+                <a16:creationId xmlns:a16="http://schemas.microsoft.com/office/drawing/2014/main" id="{32954673-033D-43F5-B2B3-4CA946C63A2B}"/>
+              </a:ext>
+            </a:extLst>
+          </p:cNvPr>
+          <p:cNvSpPr txBox="1"/>
+          <p:nvPr/>
+        </p:nvSpPr>
+        <p:spPr>
+          <a:xfrm>
+            <a:off x="11464709" y="6453050"/>
+            <a:ext cx="508474" cy="369332"/>
+          </a:xfrm>
+          <a:prstGeom prst="rect">
+            <a:avLst/>
+          </a:prstGeom>
+          <a:noFill/>
+        </p:spPr>
+        <p:txBody>
+          <a:bodyPr wrap="none" rtlCol="0">
+            <a:spAutoFit/>
+          </a:bodyPr>
+          <a:lstStyle/>
+          <a:p>
+            <a:pPr algn="r"/>
+            <a:r>
+              <a:rPr lang="en-US" altLang="ko-KR" dirty="0"/>
+              <a:t>4</a:t>
+            </a:r>
+            <a:r>
+              <a:rPr lang="en-US" altLang="ko-KR" dirty="0" smtClean="0"/>
+              <a:t>/9</a:t>
+            </a:r>
+            <a:endParaRPr lang="ko-KR" altLang="en-US" dirty="0"/>
+          </a:p>
+        </p:txBody>
+      </p:sp>
+      <p:pic>
+        <p:nvPicPr>
+          <p:cNvPr id="10" name="그림 9"/>
+          <p:cNvPicPr/>
+          <p:nvPr/>
+        </p:nvPicPr>
+        <p:blipFill rotWithShape="1">
+          <a:blip r:embed="rId2"/>
+          <a:srcRect l="18986" t="11348" r="48618" b="35307"/>
+          <a:stretch/>
+        </p:blipFill>
+        <p:spPr bwMode="auto">
+          <a:xfrm>
+            <a:off x="1167765" y="1844289"/>
+            <a:ext cx="4793420" cy="4288472"/>
+          </a:xfrm>
+          <a:prstGeom prst="rect">
+            <a:avLst/>
+          </a:prstGeom>
+          <a:ln>
+            <a:noFill/>
+          </a:ln>
+          <a:extLst>
+            <a:ext uri="{53640926-AAD7-44D8-BBD7-CCE9431645EC}">
+              <a14:shadowObscured xmlns:a14="http://schemas.microsoft.com/office/drawing/2010/main"/>
+            </a:ext>
+          </a:extLst>
+        </p:spPr>
+      </p:pic>
+      <p:pic>
+        <p:nvPicPr>
+          <p:cNvPr id="11" name="그림 10"/>
+          <p:cNvPicPr/>
+          <p:nvPr/>
+        </p:nvPicPr>
+        <p:blipFill rotWithShape="1">
+          <a:blip r:embed="rId3"/>
+          <a:srcRect l="15954" t="67392" r="55010" b="6916"/>
+          <a:stretch/>
+        </p:blipFill>
+        <p:spPr bwMode="auto">
+          <a:xfrm>
+            <a:off x="6155822" y="2760784"/>
+            <a:ext cx="5171684" cy="2673325"/>
+          </a:xfrm>
+          <a:prstGeom prst="rect">
+            <a:avLst/>
+          </a:prstGeom>
+          <a:ln>
+            <a:noFill/>
+          </a:ln>
+          <a:extLst>
+            <a:ext uri="{53640926-AAD7-44D8-BBD7-CCE9431645EC}">
+              <a14:shadowObscured xmlns:a14="http://schemas.microsoft.com/office/drawing/2010/main"/>
+            </a:ext>
+          </a:extLst>
+        </p:spPr>
+      </p:pic>
     </p:spTree>
     <p:extLst>
       <p:ext uri="{BB962C8B-B14F-4D97-AF65-F5344CB8AC3E}">
-        <p14:creationId xmlns:p14="http://schemas.microsoft.com/office/powerpoint/2010/main" val="3058113609"/>
+        <p14:creationId xmlns:p14="http://schemas.microsoft.com/office/powerpoint/2010/main" val="3155378537"/>
       </p:ext>
     </p:extLst>
   </p:cSld>
@@ -8078,11 +8384,11 @@
           <a:p>
             <a:pPr algn="ctr"/>
             <a:r>
-              <a:rPr lang="en-US" altLang="ko-KR" sz="2700" dirty="0" smtClean="0">
+              <a:rPr lang="ko-KR" altLang="en-US" sz="2700" dirty="0" err="1" smtClean="0">
                 <a:latin typeface="HY견고딕" panose="02030600000101010101" pitchFamily="18" charset="-127"/>
                 <a:ea typeface="HY견고딕" panose="02030600000101010101" pitchFamily="18" charset="-127"/>
               </a:rPr>
-              <a:t>[]</a:t>
+              <a:t>예약취소</a:t>
             </a:r>
             <a:endParaRPr lang="ko-KR" altLang="en-US" sz="2700" dirty="0">
               <a:latin typeface="HY견고딕" panose="02030600000101010101" pitchFamily="18" charset="-127"/>
@@ -8107,8 +8413,8 @@
         </p:nvSpPr>
         <p:spPr>
           <a:xfrm>
-            <a:off x="452070" y="348602"/>
-            <a:ext cx="2100630" cy="359073"/>
+            <a:off x="452069" y="348602"/>
+            <a:ext cx="2889007" cy="359073"/>
           </a:xfrm>
           <a:prstGeom prst="rect">
             <a:avLst/>
@@ -8144,15 +8450,23 @@
               </a:spcBef>
             </a:pPr>
             <a:r>
-              <a:rPr lang="en-US" sz="2500" spc="75" dirty="0">
+              <a:rPr lang="en-US" sz="2500" spc="75" dirty="0" smtClean="0">
                 <a:latin typeface="맑은 고딕 Semilight" panose="020B0502040204020203" pitchFamily="50" charset="-127"/>
                 <a:ea typeface="맑은 고딕 Semilight" panose="020B0502040204020203" pitchFamily="50" charset="-127"/>
                 <a:cs typeface="맑은 고딕 Semilight" panose="020B0502040204020203" pitchFamily="50" charset="-127"/>
               </a:rPr>
-              <a:t>04.</a:t>
-            </a:r>
-            <a:r>
-              <a:rPr lang="en-US" sz="2500" spc="135" dirty="0">
+              <a:t>04. </a:t>
+            </a:r>
+            <a:r>
+              <a:rPr lang="ko-KR" altLang="en-US" sz="2500" spc="75" dirty="0" smtClean="0">
+                <a:latin typeface="맑은 고딕 Semilight" panose="020B0502040204020203" pitchFamily="50" charset="-127"/>
+                <a:ea typeface="맑은 고딕 Semilight" panose="020B0502040204020203" pitchFamily="50" charset="-127"/>
+                <a:cs typeface="맑은 고딕 Semilight" panose="020B0502040204020203" pitchFamily="50" charset="-127"/>
+              </a:rPr>
+              <a:t>프로젝트 결과</a:t>
+            </a:r>
+            <a:r>
+              <a:rPr lang="en-US" sz="2500" spc="135" dirty="0" smtClean="0">
                 <a:latin typeface="맑은 고딕 Semilight" panose="020B0502040204020203" pitchFamily="50" charset="-127"/>
                 <a:ea typeface="맑은 고딕 Semilight" panose="020B0502040204020203" pitchFamily="50" charset="-127"/>
                 <a:cs typeface="맑은 고딕 Semilight" panose="020B0502040204020203" pitchFamily="50" charset="-127"/>
@@ -8198,123 +8512,73 @@
             <a:pPr algn="r"/>
             <a:r>
               <a:rPr lang="en-US" altLang="ko-KR" dirty="0"/>
-              <a:t>6/9</a:t>
+              <a:t>5</a:t>
+            </a:r>
+            <a:r>
+              <a:rPr lang="en-US" altLang="ko-KR" dirty="0" smtClean="0"/>
+              <a:t>/9</a:t>
             </a:r>
             <a:endParaRPr lang="ko-KR" altLang="en-US" dirty="0"/>
           </a:p>
         </p:txBody>
       </p:sp>
-      <p:sp>
-        <p:nvSpPr>
-          <p:cNvPr id="16" name="직사각형 15">
-            <a:extLst>
-              <a:ext uri="{FF2B5EF4-FFF2-40B4-BE49-F238E27FC236}">
-                <a16:creationId xmlns:a16="http://schemas.microsoft.com/office/drawing/2014/main" id="{43F87EDB-A596-4807-8066-6C9B00EC4517}"/>
-              </a:ext>
-            </a:extLst>
-          </p:cNvPr>
-          <p:cNvSpPr/>
+      <p:pic>
+        <p:nvPicPr>
+          <p:cNvPr id="6" name="그림 5"/>
+          <p:cNvPicPr/>
           <p:nvPr/>
-        </p:nvSpPr>
-        <p:spPr>
-          <a:xfrm>
-            <a:off x="7013811" y="3173505"/>
-            <a:ext cx="3971365" cy="1891553"/>
+        </p:nvPicPr>
+        <p:blipFill rotWithShape="1">
+          <a:blip r:embed="rId2"/>
+          <a:srcRect l="19623" t="11772" r="48834" b="67801"/>
+          <a:stretch/>
+        </p:blipFill>
+        <p:spPr bwMode="auto">
+          <a:xfrm>
+            <a:off x="629821" y="2822332"/>
+            <a:ext cx="5130899" cy="2280594"/>
           </a:xfrm>
           <a:prstGeom prst="rect">
             <a:avLst/>
           </a:prstGeom>
-          <a:noFill/>
           <a:ln>
-            <a:solidFill>
-              <a:schemeClr val="tx1"/>
-            </a:solidFill>
+            <a:noFill/>
           </a:ln>
-        </p:spPr>
-        <p:style>
-          <a:lnRef idx="2">
-            <a:schemeClr val="accent1">
-              <a:shade val="50000"/>
-            </a:schemeClr>
-          </a:lnRef>
-          <a:fillRef idx="1">
-            <a:schemeClr val="accent1"/>
-          </a:fillRef>
-          <a:effectRef idx="0">
-            <a:schemeClr val="accent1"/>
-          </a:effectRef>
-          <a:fontRef idx="minor">
-            <a:schemeClr val="lt1"/>
-          </a:fontRef>
-        </p:style>
-        <p:txBody>
-          <a:bodyPr rtlCol="0" anchor="ctr"/>
-          <a:lstStyle/>
-          <a:p>
-            <a:pPr algn="ctr"/>
-            <a:endParaRPr lang="ko-KR" altLang="en-US"/>
-          </a:p>
-        </p:txBody>
-      </p:sp>
-      <p:sp>
-        <p:nvSpPr>
-          <p:cNvPr id="18" name="직사각형 17">
-            <a:extLst>
-              <a:ext uri="{FF2B5EF4-FFF2-40B4-BE49-F238E27FC236}">
-                <a16:creationId xmlns:a16="http://schemas.microsoft.com/office/drawing/2014/main" id="{81C62360-DB9D-4BFB-8045-DF868E8C26EA}"/>
-              </a:ext>
-            </a:extLst>
-          </p:cNvPr>
-          <p:cNvSpPr/>
+          <a:extLst>
+            <a:ext uri="{53640926-AAD7-44D8-BBD7-CCE9431645EC}">
+              <a14:shadowObscured xmlns:a14="http://schemas.microsoft.com/office/drawing/2010/main"/>
+            </a:ext>
+          </a:extLst>
+        </p:spPr>
+      </p:pic>
+      <p:pic>
+        <p:nvPicPr>
+          <p:cNvPr id="2" name="그림 1"/>
+          <p:cNvPicPr>
+            <a:picLocks noChangeAspect="1"/>
+          </p:cNvPicPr>
           <p:nvPr/>
-        </p:nvSpPr>
-        <p:spPr>
-          <a:xfrm>
-            <a:off x="7562575" y="2867282"/>
-            <a:ext cx="2873836" cy="484794"/>
+        </p:nvPicPr>
+        <p:blipFill>
+          <a:blip r:embed="rId3"/>
+          <a:stretch>
+            <a:fillRect/>
+          </a:stretch>
+        </p:blipFill>
+        <p:spPr>
+          <a:xfrm>
+            <a:off x="6162539" y="2845525"/>
+            <a:ext cx="5305425" cy="2286000"/>
           </a:xfrm>
           <a:prstGeom prst="rect">
             <a:avLst/>
           </a:prstGeom>
-          <a:solidFill>
-            <a:schemeClr val="tx1"/>
-          </a:solidFill>
-          <a:ln>
-            <a:noFill/>
-          </a:ln>
-        </p:spPr>
-        <p:style>
-          <a:lnRef idx="2">
-            <a:schemeClr val="accent1">
-              <a:shade val="50000"/>
-            </a:schemeClr>
-          </a:lnRef>
-          <a:fillRef idx="1">
-            <a:schemeClr val="accent1"/>
-          </a:fillRef>
-          <a:effectRef idx="0">
-            <a:schemeClr val="accent1"/>
-          </a:effectRef>
-          <a:fontRef idx="minor">
-            <a:schemeClr val="lt1"/>
-          </a:fontRef>
-        </p:style>
-        <p:txBody>
-          <a:bodyPr rtlCol="0" anchor="ctr"/>
-          <a:lstStyle/>
-          <a:p>
-            <a:pPr algn="ctr"/>
-            <a:endParaRPr lang="ko-KR" altLang="en-US" sz="1600" dirty="0">
-              <a:latin typeface="HY견고딕" panose="02030600000101010101" pitchFamily="18" charset="-127"/>
-              <a:ea typeface="HY견고딕" panose="02030600000101010101" pitchFamily="18" charset="-127"/>
-            </a:endParaRPr>
-          </a:p>
-        </p:txBody>
-      </p:sp>
+        </p:spPr>
+      </p:pic>
     </p:spTree>
     <p:extLst>
       <p:ext uri="{BB962C8B-B14F-4D97-AF65-F5344CB8AC3E}">
-        <p14:creationId xmlns:p14="http://schemas.microsoft.com/office/powerpoint/2010/main" val="3155378537"/>
+        <p14:creationId xmlns:p14="http://schemas.microsoft.com/office/powerpoint/2010/main" val="515439480"/>
       </p:ext>
     </p:extLst>
   </p:cSld>
@@ -8343,10 +8607,131 @@
       </p:grpSpPr>
       <p:sp>
         <p:nvSpPr>
-          <p:cNvPr id="5" name="object 37">
+          <p:cNvPr id="9" name="직사각형 8">
             <a:extLst>
               <a:ext uri="{FF2B5EF4-FFF2-40B4-BE49-F238E27FC236}">
-                <a16:creationId xmlns:a16="http://schemas.microsoft.com/office/drawing/2014/main" id="{D59715EE-8675-4C1A-9DE3-5F115C351A30}"/>
+                <a16:creationId xmlns:a16="http://schemas.microsoft.com/office/drawing/2014/main" id="{083EF0C5-AAA4-4B34-A2D6-2BFFC0F10226}"/>
+              </a:ext>
+            </a:extLst>
+          </p:cNvPr>
+          <p:cNvSpPr/>
+          <p:nvPr/>
+        </p:nvSpPr>
+        <p:spPr>
+          <a:xfrm>
+            <a:off x="348343" y="1602377"/>
+            <a:ext cx="11521440" cy="4772297"/>
+          </a:xfrm>
+          <a:prstGeom prst="rect">
+            <a:avLst/>
+          </a:prstGeom>
+          <a:noFill/>
+          <a:ln>
+            <a:solidFill>
+              <a:schemeClr val="tx1"/>
+            </a:solidFill>
+          </a:ln>
+        </p:spPr>
+        <p:style>
+          <a:lnRef idx="2">
+            <a:schemeClr val="accent1">
+              <a:shade val="50000"/>
+            </a:schemeClr>
+          </a:lnRef>
+          <a:fillRef idx="1">
+            <a:schemeClr val="accent1"/>
+          </a:fillRef>
+          <a:effectRef idx="0">
+            <a:schemeClr val="accent1"/>
+          </a:effectRef>
+          <a:fontRef idx="minor">
+            <a:schemeClr val="lt1"/>
+          </a:fontRef>
+        </p:style>
+        <p:txBody>
+          <a:bodyPr rtlCol="0" anchor="ctr"/>
+          <a:lstStyle/>
+          <a:p>
+            <a:pPr algn="ctr"/>
+            <a:endParaRPr lang="ko-KR" altLang="en-US"/>
+          </a:p>
+        </p:txBody>
+      </p:sp>
+      <p:sp>
+        <p:nvSpPr>
+          <p:cNvPr id="13" name="직사각형 12">
+            <a:extLst>
+              <a:ext uri="{FF2B5EF4-FFF2-40B4-BE49-F238E27FC236}">
+                <a16:creationId xmlns:a16="http://schemas.microsoft.com/office/drawing/2014/main" id="{99CA10BD-C2A5-4911-A7DA-507011F984C1}"/>
+              </a:ext>
+            </a:extLst>
+          </p:cNvPr>
+          <p:cNvSpPr/>
+          <p:nvPr/>
+        </p:nvSpPr>
+        <p:spPr>
+          <a:xfrm>
+            <a:off x="5760720" y="345259"/>
+            <a:ext cx="5961888" cy="711200"/>
+          </a:xfrm>
+          <a:prstGeom prst="rect">
+            <a:avLst/>
+          </a:prstGeom>
+          <a:solidFill>
+            <a:srgbClr val="344574"/>
+          </a:solidFill>
+          <a:ln>
+            <a:noFill/>
+          </a:ln>
+        </p:spPr>
+        <p:style>
+          <a:lnRef idx="2">
+            <a:schemeClr val="accent1">
+              <a:shade val="50000"/>
+            </a:schemeClr>
+          </a:lnRef>
+          <a:fillRef idx="1">
+            <a:schemeClr val="accent1"/>
+          </a:fillRef>
+          <a:effectRef idx="0">
+            <a:schemeClr val="accent1"/>
+          </a:effectRef>
+          <a:fontRef idx="minor">
+            <a:schemeClr val="lt1"/>
+          </a:fontRef>
+        </p:style>
+        <p:txBody>
+          <a:bodyPr rtlCol="0" anchor="ctr"/>
+          <a:lstStyle/>
+          <a:p>
+            <a:pPr algn="ctr"/>
+            <a:r>
+              <a:rPr lang="ko-KR" altLang="en-US" sz="2700" dirty="0" err="1" smtClean="0">
+                <a:latin typeface="HY견고딕" panose="02030600000101010101" pitchFamily="18" charset="-127"/>
+                <a:ea typeface="HY견고딕" panose="02030600000101010101" pitchFamily="18" charset="-127"/>
+              </a:rPr>
+              <a:t>대기인원</a:t>
+            </a:r>
+            <a:r>
+              <a:rPr lang="ko-KR" altLang="en-US" sz="2700" dirty="0" smtClean="0">
+                <a:latin typeface="HY견고딕" panose="02030600000101010101" pitchFamily="18" charset="-127"/>
+                <a:ea typeface="HY견고딕" panose="02030600000101010101" pitchFamily="18" charset="-127"/>
+              </a:rPr>
+              <a:t> 안내</a:t>
+            </a:r>
+            <a:endParaRPr lang="ko-KR" altLang="en-US" sz="2700" dirty="0">
+              <a:latin typeface="HY견고딕" panose="02030600000101010101" pitchFamily="18" charset="-127"/>
+              <a:ea typeface="HY견고딕" panose="02030600000101010101" pitchFamily="18" charset="-127"/>
+            </a:endParaRPr>
+          </a:p>
+        </p:txBody>
+      </p:sp>
+      <p:sp>
+        <p:nvSpPr>
+          <p:cNvPr id="17" name="object 37">
+            <a:extLst>
+              <a:ext uri="{FF2B5EF4-FFF2-40B4-BE49-F238E27FC236}">
+                <a16:creationId xmlns:a16="http://schemas.microsoft.com/office/drawing/2014/main" id="{D5A6CCC6-3D3B-4FFF-BDC3-73B7060E4DA1}"/>
               </a:ext>
             </a:extLst>
           </p:cNvPr>
@@ -8357,8 +8742,8 @@
         </p:nvSpPr>
         <p:spPr>
           <a:xfrm>
-            <a:off x="452070" y="348602"/>
-            <a:ext cx="4056430" cy="359073"/>
+            <a:off x="452069" y="348602"/>
+            <a:ext cx="2889007" cy="359073"/>
           </a:xfrm>
           <a:prstGeom prst="rect">
             <a:avLst/>
@@ -8394,20 +8779,28 @@
               </a:spcBef>
             </a:pPr>
             <a:r>
-              <a:rPr lang="en-US" sz="2500" spc="75" dirty="0">
-                <a:latin typeface="맑은 고딕 Semilight" panose="020B0502040204020203" pitchFamily="50" charset="-127"/>
-                <a:ea typeface="맑은 고딕 Semilight" panose="020B0502040204020203" pitchFamily="50" charset="-127"/>
-                <a:cs typeface="맑은 고딕 Semilight" panose="020B0502040204020203" pitchFamily="50" charset="-127"/>
-              </a:rPr>
-              <a:t>05</a:t>
-            </a:r>
-            <a:r>
               <a:rPr lang="en-US" sz="2500" spc="75" dirty="0" smtClean="0">
                 <a:latin typeface="맑은 고딕 Semilight" panose="020B0502040204020203" pitchFamily="50" charset="-127"/>
                 <a:ea typeface="맑은 고딕 Semilight" panose="020B0502040204020203" pitchFamily="50" charset="-127"/>
                 <a:cs typeface="맑은 고딕 Semilight" panose="020B0502040204020203" pitchFamily="50" charset="-127"/>
               </a:rPr>
-              <a:t>.</a:t>
+              <a:t>04. </a:t>
+            </a:r>
+            <a:r>
+              <a:rPr lang="ko-KR" altLang="en-US" sz="2500" spc="75" dirty="0" smtClean="0">
+                <a:latin typeface="맑은 고딕 Semilight" panose="020B0502040204020203" pitchFamily="50" charset="-127"/>
+                <a:ea typeface="맑은 고딕 Semilight" panose="020B0502040204020203" pitchFamily="50" charset="-127"/>
+                <a:cs typeface="맑은 고딕 Semilight" panose="020B0502040204020203" pitchFamily="50" charset="-127"/>
+              </a:rPr>
+              <a:t>프로젝트 결과</a:t>
+            </a:r>
+            <a:r>
+              <a:rPr lang="en-US" sz="2500" spc="135" dirty="0" smtClean="0">
+                <a:latin typeface="맑은 고딕 Semilight" panose="020B0502040204020203" pitchFamily="50" charset="-127"/>
+                <a:ea typeface="맑은 고딕 Semilight" panose="020B0502040204020203" pitchFamily="50" charset="-127"/>
+                <a:cs typeface="맑은 고딕 Semilight" panose="020B0502040204020203" pitchFamily="50" charset="-127"/>
+              </a:rPr>
+              <a:t> </a:t>
             </a:r>
             <a:endParaRPr lang="ko-KR" altLang="en-US" sz="2500" spc="-40" dirty="0">
               <a:latin typeface="맑은 고딕 Semilight" panose="020B0502040204020203" pitchFamily="50" charset="-127"/>
@@ -8419,72 +8812,10 @@
       </p:sp>
       <p:sp>
         <p:nvSpPr>
-          <p:cNvPr id="6" name="직사각형 5">
+          <p:cNvPr id="15" name="TextBox 14">
             <a:extLst>
               <a:ext uri="{FF2B5EF4-FFF2-40B4-BE49-F238E27FC236}">
-                <a16:creationId xmlns:a16="http://schemas.microsoft.com/office/drawing/2014/main" id="{24A732B8-FAE1-440A-81EC-857D27C994B5}"/>
-              </a:ext>
-            </a:extLst>
-          </p:cNvPr>
-          <p:cNvSpPr/>
-          <p:nvPr/>
-        </p:nvSpPr>
-        <p:spPr>
-          <a:xfrm>
-            <a:off x="5760720" y="345259"/>
-            <a:ext cx="5961888" cy="711200"/>
-          </a:xfrm>
-          <a:prstGeom prst="rect">
-            <a:avLst/>
-          </a:prstGeom>
-          <a:solidFill>
-            <a:srgbClr val="344574"/>
-          </a:solidFill>
-          <a:ln>
-            <a:noFill/>
-          </a:ln>
-        </p:spPr>
-        <p:style>
-          <a:lnRef idx="2">
-            <a:schemeClr val="accent1">
-              <a:shade val="50000"/>
-            </a:schemeClr>
-          </a:lnRef>
-          <a:fillRef idx="1">
-            <a:schemeClr val="accent1"/>
-          </a:fillRef>
-          <a:effectRef idx="0">
-            <a:schemeClr val="accent1"/>
-          </a:effectRef>
-          <a:fontRef idx="minor">
-            <a:schemeClr val="lt1"/>
-          </a:fontRef>
-        </p:style>
-        <p:txBody>
-          <a:bodyPr rtlCol="0" anchor="ctr"/>
-          <a:lstStyle/>
-          <a:p>
-            <a:pPr algn="ctr"/>
-            <a:r>
-              <a:rPr lang="en-US" altLang="ko-KR" sz="2700" dirty="0" smtClean="0">
-                <a:latin typeface="HY견고딕" panose="02030600000101010101" pitchFamily="18" charset="-127"/>
-                <a:ea typeface="HY견고딕" panose="02030600000101010101" pitchFamily="18" charset="-127"/>
-              </a:rPr>
-              <a:t>[]</a:t>
-            </a:r>
-            <a:endParaRPr lang="ko-KR" altLang="en-US" sz="2700" dirty="0">
-              <a:latin typeface="HY견고딕" panose="02030600000101010101" pitchFamily="18" charset="-127"/>
-              <a:ea typeface="HY견고딕" panose="02030600000101010101" pitchFamily="18" charset="-127"/>
-            </a:endParaRPr>
-          </a:p>
-        </p:txBody>
-      </p:sp>
-      <p:sp>
-        <p:nvSpPr>
-          <p:cNvPr id="7" name="TextBox 6">
-            <a:extLst>
-              <a:ext uri="{FF2B5EF4-FFF2-40B4-BE49-F238E27FC236}">
-                <a16:creationId xmlns:a16="http://schemas.microsoft.com/office/drawing/2014/main" id="{4B0B1450-E13B-4954-8D1B-5D351F2637CA}"/>
+                <a16:creationId xmlns:a16="http://schemas.microsoft.com/office/drawing/2014/main" id="{32954673-033D-43F5-B2B3-4CA946C63A2B}"/>
               </a:ext>
             </a:extLst>
           </p:cNvPr>
@@ -8510,16 +8841,78 @@
             <a:pPr algn="r"/>
             <a:r>
               <a:rPr lang="en-US" altLang="ko-KR" dirty="0"/>
-              <a:t>7/9</a:t>
+              <a:t>6/9</a:t>
             </a:r>
             <a:endParaRPr lang="ko-KR" altLang="en-US" dirty="0"/>
           </a:p>
         </p:txBody>
       </p:sp>
+      <p:pic>
+        <p:nvPicPr>
+          <p:cNvPr id="6" name="그림 5"/>
+          <p:cNvPicPr/>
+          <p:nvPr/>
+        </p:nvPicPr>
+        <p:blipFill>
+          <a:blip r:embed="rId2">
+            <a:extLst>
+              <a:ext uri="{28A0092B-C50C-407E-A947-70E740481C1C}">
+                <a14:useLocalDpi xmlns:a14="http://schemas.microsoft.com/office/drawing/2010/main" val="0"/>
+              </a:ext>
+            </a:extLst>
+          </a:blip>
+          <a:srcRect/>
+          <a:stretch>
+            <a:fillRect/>
+          </a:stretch>
+        </p:blipFill>
+        <p:spPr bwMode="auto">
+          <a:xfrm>
+            <a:off x="865456" y="2189235"/>
+            <a:ext cx="4411980" cy="3323590"/>
+          </a:xfrm>
+          <a:prstGeom prst="rect">
+            <a:avLst/>
+          </a:prstGeom>
+          <a:noFill/>
+          <a:ln>
+            <a:noFill/>
+          </a:ln>
+        </p:spPr>
+      </p:pic>
+      <p:pic>
+        <p:nvPicPr>
+          <p:cNvPr id="7" name="그림 6"/>
+          <p:cNvPicPr/>
+          <p:nvPr/>
+        </p:nvPicPr>
+        <p:blipFill rotWithShape="1">
+          <a:blip r:embed="rId3"/>
+          <a:srcRect l="16045" t="67504" r="54190" b="6515"/>
+          <a:stretch/>
+        </p:blipFill>
+        <p:spPr bwMode="auto">
+          <a:xfrm>
+            <a:off x="6109063" y="2917439"/>
+            <a:ext cx="4579034" cy="2142171"/>
+          </a:xfrm>
+          <a:prstGeom prst="rect">
+            <a:avLst/>
+          </a:prstGeom>
+          <a:ln>
+            <a:noFill/>
+          </a:ln>
+          <a:extLst>
+            <a:ext uri="{53640926-AAD7-44D8-BBD7-CCE9431645EC}">
+              <a14:shadowObscured xmlns:a14="http://schemas.microsoft.com/office/drawing/2010/main"/>
+            </a:ext>
+          </a:extLst>
+        </p:spPr>
+      </p:pic>
     </p:spTree>
     <p:extLst>
       <p:ext uri="{BB962C8B-B14F-4D97-AF65-F5344CB8AC3E}">
-        <p14:creationId xmlns:p14="http://schemas.microsoft.com/office/powerpoint/2010/main" val="4216384975"/>
+        <p14:creationId xmlns:p14="http://schemas.microsoft.com/office/powerpoint/2010/main" val="762572035"/>
       </p:ext>
     </p:extLst>
   </p:cSld>
@@ -8548,10 +8941,208 @@
       </p:grpSpPr>
       <p:sp>
         <p:nvSpPr>
-          <p:cNvPr id="4" name="TextBox 3">
+          <p:cNvPr id="9" name="직사각형 8">
             <a:extLst>
               <a:ext uri="{FF2B5EF4-FFF2-40B4-BE49-F238E27FC236}">
-                <a16:creationId xmlns:a16="http://schemas.microsoft.com/office/drawing/2014/main" id="{DC4CCA66-2864-4706-92FC-C7622E6493BE}"/>
+                <a16:creationId xmlns:a16="http://schemas.microsoft.com/office/drawing/2014/main" id="{083EF0C5-AAA4-4B34-A2D6-2BFFC0F10226}"/>
+              </a:ext>
+            </a:extLst>
+          </p:cNvPr>
+          <p:cNvSpPr/>
+          <p:nvPr/>
+        </p:nvSpPr>
+        <p:spPr>
+          <a:xfrm>
+            <a:off x="348343" y="1602377"/>
+            <a:ext cx="11521440" cy="4772297"/>
+          </a:xfrm>
+          <a:prstGeom prst="rect">
+            <a:avLst/>
+          </a:prstGeom>
+          <a:noFill/>
+          <a:ln>
+            <a:solidFill>
+              <a:schemeClr val="tx1"/>
+            </a:solidFill>
+          </a:ln>
+        </p:spPr>
+        <p:style>
+          <a:lnRef idx="2">
+            <a:schemeClr val="accent1">
+              <a:shade val="50000"/>
+            </a:schemeClr>
+          </a:lnRef>
+          <a:fillRef idx="1">
+            <a:schemeClr val="accent1"/>
+          </a:fillRef>
+          <a:effectRef idx="0">
+            <a:schemeClr val="accent1"/>
+          </a:effectRef>
+          <a:fontRef idx="minor">
+            <a:schemeClr val="lt1"/>
+          </a:fontRef>
+        </p:style>
+        <p:txBody>
+          <a:bodyPr rtlCol="0" anchor="ctr"/>
+          <a:lstStyle/>
+          <a:p>
+            <a:pPr algn="ctr"/>
+            <a:endParaRPr lang="ko-KR" altLang="en-US"/>
+          </a:p>
+        </p:txBody>
+      </p:sp>
+      <p:sp>
+        <p:nvSpPr>
+          <p:cNvPr id="13" name="직사각형 12">
+            <a:extLst>
+              <a:ext uri="{FF2B5EF4-FFF2-40B4-BE49-F238E27FC236}">
+                <a16:creationId xmlns:a16="http://schemas.microsoft.com/office/drawing/2014/main" id="{99CA10BD-C2A5-4911-A7DA-507011F984C1}"/>
+              </a:ext>
+            </a:extLst>
+          </p:cNvPr>
+          <p:cNvSpPr/>
+          <p:nvPr/>
+        </p:nvSpPr>
+        <p:spPr>
+          <a:xfrm>
+            <a:off x="5760720" y="345259"/>
+            <a:ext cx="5961888" cy="711200"/>
+          </a:xfrm>
+          <a:prstGeom prst="rect">
+            <a:avLst/>
+          </a:prstGeom>
+          <a:solidFill>
+            <a:srgbClr val="344574"/>
+          </a:solidFill>
+          <a:ln>
+            <a:noFill/>
+          </a:ln>
+        </p:spPr>
+        <p:style>
+          <a:lnRef idx="2">
+            <a:schemeClr val="accent1">
+              <a:shade val="50000"/>
+            </a:schemeClr>
+          </a:lnRef>
+          <a:fillRef idx="1">
+            <a:schemeClr val="accent1"/>
+          </a:fillRef>
+          <a:effectRef idx="0">
+            <a:schemeClr val="accent1"/>
+          </a:effectRef>
+          <a:fontRef idx="minor">
+            <a:schemeClr val="lt1"/>
+          </a:fontRef>
+        </p:style>
+        <p:txBody>
+          <a:bodyPr rtlCol="0" anchor="ctr"/>
+          <a:lstStyle/>
+          <a:p>
+            <a:pPr algn="ctr"/>
+            <a:r>
+              <a:rPr lang="ko-KR" altLang="en-US" sz="2700" dirty="0" smtClean="0">
+                <a:latin typeface="HY견고딕" panose="02030600000101010101" pitchFamily="18" charset="-127"/>
+                <a:ea typeface="HY견고딕" panose="02030600000101010101" pitchFamily="18" charset="-127"/>
+              </a:rPr>
+              <a:t>추첨</a:t>
+            </a:r>
+            <a:endParaRPr lang="ko-KR" altLang="en-US" sz="2700" dirty="0">
+              <a:latin typeface="HY견고딕" panose="02030600000101010101" pitchFamily="18" charset="-127"/>
+              <a:ea typeface="HY견고딕" panose="02030600000101010101" pitchFamily="18" charset="-127"/>
+            </a:endParaRPr>
+          </a:p>
+        </p:txBody>
+      </p:sp>
+      <p:sp>
+        <p:nvSpPr>
+          <p:cNvPr id="17" name="object 37">
+            <a:extLst>
+              <a:ext uri="{FF2B5EF4-FFF2-40B4-BE49-F238E27FC236}">
+                <a16:creationId xmlns:a16="http://schemas.microsoft.com/office/drawing/2014/main" id="{D5A6CCC6-3D3B-4FFF-BDC3-73B7060E4DA1}"/>
+              </a:ext>
+            </a:extLst>
+          </p:cNvPr>
+          <p:cNvSpPr txBox="1">
+            <a:spLocks/>
+          </p:cNvSpPr>
+          <p:nvPr/>
+        </p:nvSpPr>
+        <p:spPr>
+          <a:xfrm>
+            <a:off x="452069" y="348602"/>
+            <a:ext cx="2889007" cy="359073"/>
+          </a:xfrm>
+          <a:prstGeom prst="rect">
+            <a:avLst/>
+          </a:prstGeom>
+        </p:spPr>
+        <p:txBody>
+          <a:bodyPr vert="horz" wrap="square" lIns="0" tIns="12700" rIns="0" bIns="0" rtlCol="0" anchor="ctr">
+            <a:spAutoFit/>
+          </a:bodyPr>
+          <a:lstStyle>
+            <a:lvl1pPr algn="l" defTabSz="914400" rtl="0" eaLnBrk="1" latinLnBrk="1" hangingPunct="1">
+              <a:lnSpc>
+                <a:spcPct val="90000"/>
+              </a:lnSpc>
+              <a:spcBef>
+                <a:spcPct val="0"/>
+              </a:spcBef>
+              <a:buNone/>
+              <a:defRPr sz="4400" kern="1200">
+                <a:solidFill>
+                  <a:schemeClr val="tx1"/>
+                </a:solidFill>
+                <a:latin typeface="+mj-lt"/>
+                <a:ea typeface="+mj-ea"/>
+                <a:cs typeface="+mj-cs"/>
+              </a:defRPr>
+            </a:lvl1pPr>
+          </a:lstStyle>
+          <a:p>
+            <a:pPr marL="12700">
+              <a:spcBef>
+                <a:spcPts val="100"/>
+              </a:spcBef>
+            </a:pPr>
+            <a:r>
+              <a:rPr lang="en-US" sz="2500" spc="75" dirty="0" smtClean="0">
+                <a:latin typeface="맑은 고딕 Semilight" panose="020B0502040204020203" pitchFamily="50" charset="-127"/>
+                <a:ea typeface="맑은 고딕 Semilight" panose="020B0502040204020203" pitchFamily="50" charset="-127"/>
+                <a:cs typeface="맑은 고딕 Semilight" panose="020B0502040204020203" pitchFamily="50" charset="-127"/>
+              </a:rPr>
+              <a:t>04. </a:t>
+            </a:r>
+            <a:r>
+              <a:rPr lang="ko-KR" altLang="en-US" sz="2500" spc="75" dirty="0" smtClean="0">
+                <a:latin typeface="맑은 고딕 Semilight" panose="020B0502040204020203" pitchFamily="50" charset="-127"/>
+                <a:ea typeface="맑은 고딕 Semilight" panose="020B0502040204020203" pitchFamily="50" charset="-127"/>
+                <a:cs typeface="맑은 고딕 Semilight" panose="020B0502040204020203" pitchFamily="50" charset="-127"/>
+              </a:rPr>
+              <a:t>프로젝트 결과</a:t>
+            </a:r>
+            <a:r>
+              <a:rPr lang="en-US" sz="2500" spc="135" dirty="0" smtClean="0">
+                <a:latin typeface="맑은 고딕 Semilight" panose="020B0502040204020203" pitchFamily="50" charset="-127"/>
+                <a:ea typeface="맑은 고딕 Semilight" panose="020B0502040204020203" pitchFamily="50" charset="-127"/>
+                <a:cs typeface="맑은 고딕 Semilight" panose="020B0502040204020203" pitchFamily="50" charset="-127"/>
+              </a:rPr>
+              <a:t> </a:t>
+            </a:r>
+            <a:endParaRPr lang="ko-KR" altLang="en-US" sz="2500" spc="-40" dirty="0">
+              <a:latin typeface="맑은 고딕 Semilight" panose="020B0502040204020203" pitchFamily="50" charset="-127"/>
+              <a:ea typeface="맑은 고딕 Semilight" panose="020B0502040204020203" pitchFamily="50" charset="-127"/>
+              <a:cs typeface="맑은 고딕 Semilight" panose="020B0502040204020203" pitchFamily="50" charset="-127"/>
+            </a:endParaRPr>
+          </a:p>
+        </p:txBody>
+      </p:sp>
+      <p:sp>
+        <p:nvSpPr>
+          <p:cNvPr id="15" name="TextBox 14">
+            <a:extLst>
+              <a:ext uri="{FF2B5EF4-FFF2-40B4-BE49-F238E27FC236}">
+                <a16:creationId xmlns:a16="http://schemas.microsoft.com/office/drawing/2014/main" id="{32954673-033D-43F5-B2B3-4CA946C63A2B}"/>
               </a:ext>
             </a:extLst>
           </p:cNvPr>
@@ -8560,8 +9151,8 @@
         </p:nvSpPr>
         <p:spPr>
           <a:xfrm>
-            <a:off x="3632186" y="2106313"/>
-            <a:ext cx="6337314" cy="2400657"/>
+            <a:off x="11464709" y="6453050"/>
+            <a:ext cx="508474" cy="369332"/>
           </a:xfrm>
           <a:prstGeom prst="rect">
             <a:avLst/>
@@ -8569,66 +9160,76 @@
           <a:noFill/>
         </p:spPr>
         <p:txBody>
-          <a:bodyPr wrap="square" rtlCol="0">
+          <a:bodyPr wrap="none" rtlCol="0">
             <a:spAutoFit/>
           </a:bodyPr>
           <a:lstStyle/>
           <a:p>
-            <a:r>
-              <a:rPr lang="en-US" altLang="ko-KR" sz="15000" dirty="0" err="1">
-                <a:latin typeface="HY견고딕" panose="02030600000101010101" pitchFamily="18" charset="-127"/>
-                <a:ea typeface="HY견고딕" panose="02030600000101010101" pitchFamily="18" charset="-127"/>
-              </a:rPr>
-              <a:t>QnA</a:t>
-            </a:r>
-            <a:endParaRPr lang="ko-KR" altLang="en-US" sz="15000" dirty="0">
-              <a:latin typeface="HY견고딕" panose="02030600000101010101" pitchFamily="18" charset="-127"/>
-              <a:ea typeface="HY견고딕" panose="02030600000101010101" pitchFamily="18" charset="-127"/>
-            </a:endParaRPr>
-          </a:p>
-        </p:txBody>
-      </p:sp>
-      <p:sp>
-        <p:nvSpPr>
-          <p:cNvPr id="5" name="TextBox 4">
-            <a:extLst>
-              <a:ext uri="{FF2B5EF4-FFF2-40B4-BE49-F238E27FC236}">
-                <a16:creationId xmlns:a16="http://schemas.microsoft.com/office/drawing/2014/main" id="{F1413E92-8EF8-4FE0-B5D5-101E2BA1AE71}"/>
-              </a:ext>
-            </a:extLst>
-          </p:cNvPr>
-          <p:cNvSpPr txBox="1"/>
+            <a:pPr algn="r"/>
+            <a:r>
+              <a:rPr lang="en-US" altLang="ko-KR" dirty="0"/>
+              <a:t>7</a:t>
+            </a:r>
+            <a:r>
+              <a:rPr lang="en-US" altLang="ko-KR" dirty="0" smtClean="0"/>
+              <a:t>/9</a:t>
+            </a:r>
+            <a:endParaRPr lang="ko-KR" altLang="en-US" dirty="0"/>
+          </a:p>
+        </p:txBody>
+      </p:sp>
+      <p:pic>
+        <p:nvPicPr>
+          <p:cNvPr id="2" name="그림 1"/>
+          <p:cNvPicPr>
+            <a:picLocks noChangeAspect="1"/>
+          </p:cNvPicPr>
           <p:nvPr/>
-        </p:nvSpPr>
-        <p:spPr>
-          <a:xfrm>
-            <a:off x="11464709" y="6453050"/>
-            <a:ext cx="508474" cy="369332"/>
+        </p:nvPicPr>
+        <p:blipFill>
+          <a:blip r:embed="rId2"/>
+          <a:stretch>
+            <a:fillRect/>
+          </a:stretch>
+        </p:blipFill>
+        <p:spPr>
+          <a:xfrm>
+            <a:off x="6356818" y="2897912"/>
+            <a:ext cx="5107891" cy="2181225"/>
           </a:xfrm>
           <a:prstGeom prst="rect">
             <a:avLst/>
           </a:prstGeom>
-          <a:noFill/>
-        </p:spPr>
-        <p:txBody>
-          <a:bodyPr wrap="none" rtlCol="0">
-            <a:spAutoFit/>
-          </a:bodyPr>
-          <a:lstStyle/>
-          <a:p>
-            <a:pPr algn="r"/>
-            <a:r>
-              <a:rPr lang="en-US" altLang="ko-KR" dirty="0"/>
-              <a:t>8/9</a:t>
-            </a:r>
-            <a:endParaRPr lang="ko-KR" altLang="en-US" dirty="0"/>
-          </a:p>
-        </p:txBody>
-      </p:sp>
+        </p:spPr>
+      </p:pic>
+      <p:pic>
+        <p:nvPicPr>
+          <p:cNvPr id="3" name="그림 2"/>
+          <p:cNvPicPr>
+            <a:picLocks noChangeAspect="1"/>
+          </p:cNvPicPr>
+          <p:nvPr/>
+        </p:nvPicPr>
+        <p:blipFill>
+          <a:blip r:embed="rId3"/>
+          <a:stretch>
+            <a:fillRect/>
+          </a:stretch>
+        </p:blipFill>
+        <p:spPr>
+          <a:xfrm>
+            <a:off x="452069" y="2087073"/>
+            <a:ext cx="5715000" cy="3457575"/>
+          </a:xfrm>
+          <a:prstGeom prst="rect">
+            <a:avLst/>
+          </a:prstGeom>
+        </p:spPr>
+      </p:pic>
     </p:spTree>
     <p:extLst>
       <p:ext uri="{BB962C8B-B14F-4D97-AF65-F5344CB8AC3E}">
-        <p14:creationId xmlns:p14="http://schemas.microsoft.com/office/powerpoint/2010/main" val="1544241816"/>
+        <p14:creationId xmlns:p14="http://schemas.microsoft.com/office/powerpoint/2010/main" val="1641052220"/>
       </p:ext>
     </p:extLst>
   </p:cSld>

--- a/오픈소스B.pptx
+++ b/오픈소스B.pptx
@@ -7513,8 +7513,8 @@
         </p:nvSpPr>
         <p:spPr>
           <a:xfrm>
-            <a:off x="1982158" y="4184044"/>
-            <a:ext cx="659722" cy="512064"/>
+            <a:off x="1462506" y="3545885"/>
+            <a:ext cx="1693026" cy="492443"/>
           </a:xfrm>
           <a:prstGeom prst="rect">
             <a:avLst/>
@@ -7529,14 +7529,14 @@
           <a:p>
             <a:pPr algn="ctr"/>
             <a:r>
-              <a:rPr lang="ko-KR" altLang="en-US" b="1" spc="-70" dirty="0">
+              <a:rPr lang="ko-KR" altLang="en-US" b="1" spc="-70" smtClean="0">
                 <a:solidFill>
                   <a:schemeClr val="bg1"/>
                 </a:solidFill>
                 <a:latin typeface="Arial" panose="020B0604020202020204" pitchFamily="34" charset="0"/>
                 <a:cs typeface="Arial" panose="020B0604020202020204" pitchFamily="34" charset="0"/>
               </a:rPr>
-              <a:t>팀원</a:t>
+              <a:t>총 개발 담당</a:t>
             </a:r>
             <a:endParaRPr lang="en-US" altLang="ko-KR" b="1" spc="-70" dirty="0">
               <a:solidFill>
@@ -7654,8 +7654,8 @@
         </p:nvSpPr>
         <p:spPr>
           <a:xfrm>
-            <a:off x="5840853" y="4254380"/>
-            <a:ext cx="659722" cy="512064"/>
+            <a:off x="5227218" y="3653608"/>
+            <a:ext cx="1720316" cy="492443"/>
           </a:xfrm>
           <a:prstGeom prst="rect">
             <a:avLst/>
@@ -7677,7 +7677,47 @@
                 <a:latin typeface="Arial" panose="020B0604020202020204" pitchFamily="34" charset="0"/>
                 <a:cs typeface="Arial" panose="020B0604020202020204" pitchFamily="34" charset="0"/>
               </a:rPr>
-              <a:t>팀원</a:t>
+              <a:t>발표 </a:t>
+            </a:r>
+            <a:r>
+              <a:rPr lang="en-US" altLang="ko-KR" b="1" spc="-70" dirty="0" smtClean="0">
+                <a:solidFill>
+                  <a:schemeClr val="bg1"/>
+                </a:solidFill>
+                <a:latin typeface="Arial" panose="020B0604020202020204" pitchFamily="34" charset="0"/>
+                <a:cs typeface="Arial" panose="020B0604020202020204" pitchFamily="34" charset="0"/>
+              </a:rPr>
+              <a:t>,</a:t>
+            </a:r>
+            <a:r>
+              <a:rPr lang="ko-KR" altLang="en-US" b="1" spc="-70" dirty="0" err="1" smtClean="0">
+                <a:solidFill>
+                  <a:schemeClr val="bg1"/>
+                </a:solidFill>
+                <a:latin typeface="Arial" panose="020B0604020202020204" pitchFamily="34" charset="0"/>
+                <a:cs typeface="Arial" panose="020B0604020202020204" pitchFamily="34" charset="0"/>
+              </a:rPr>
+              <a:t>램덤</a:t>
+            </a:r>
+            <a:r>
+              <a:rPr lang="ko-KR" altLang="en-US" b="1" spc="-70" dirty="0" smtClean="0">
+                <a:solidFill>
+                  <a:schemeClr val="bg1"/>
+                </a:solidFill>
+                <a:latin typeface="Arial" panose="020B0604020202020204" pitchFamily="34" charset="0"/>
+                <a:cs typeface="Arial" panose="020B0604020202020204" pitchFamily="34" charset="0"/>
+              </a:rPr>
+              <a:t> 추첨</a:t>
+            </a:r>
+            <a:r>
+              <a:rPr lang="en-US" altLang="ko-KR" b="1" spc="-70" dirty="0">
+                <a:solidFill>
+                  <a:schemeClr val="bg1"/>
+                </a:solidFill>
+                <a:latin typeface="Arial" panose="020B0604020202020204" pitchFamily="34" charset="0"/>
+                <a:cs typeface="Arial" panose="020B0604020202020204" pitchFamily="34" charset="0"/>
+              </a:rPr>
+              <a:t> </a:t>
             </a:r>
             <a:endParaRPr lang="en-US" altLang="ko-KR" b="1" spc="-70" dirty="0">
               <a:solidFill>
@@ -7795,8 +7835,8 @@
         </p:nvSpPr>
         <p:spPr>
           <a:xfrm>
-            <a:off x="9032316" y="4251810"/>
-            <a:ext cx="2292175" cy="276999"/>
+            <a:off x="8707000" y="3761329"/>
+            <a:ext cx="2292175" cy="553998"/>
           </a:xfrm>
           <a:prstGeom prst="rect">
             <a:avLst/>
@@ -7810,16 +7850,6 @@
           <a:lstStyle/>
           <a:p>
             <a:pPr algn="ctr"/>
-            <a:r>
-              <a:rPr lang="en-US" altLang="ko-KR" b="1" spc="-70" dirty="0" err="1" smtClean="0">
-                <a:solidFill>
-                  <a:schemeClr val="bg1"/>
-                </a:solidFill>
-                <a:latin typeface="Arial" panose="020B0604020202020204" pitchFamily="34" charset="0"/>
-                <a:cs typeface="Arial" panose="020B0604020202020204" pitchFamily="34" charset="0"/>
-              </a:rPr>
-              <a:t>Ppt</a:t>
-            </a:r>
             <a:r>
               <a:rPr lang="en-US" altLang="ko-KR" b="1" spc="-70" dirty="0" smtClean="0">
                 <a:solidFill>
@@ -7828,7 +7858,7 @@
                 <a:latin typeface="Arial" panose="020B0604020202020204" pitchFamily="34" charset="0"/>
                 <a:cs typeface="Arial" panose="020B0604020202020204" pitchFamily="34" charset="0"/>
               </a:rPr>
-              <a:t> </a:t>
+              <a:t>PPT </a:t>
             </a:r>
             <a:r>
               <a:rPr lang="ko-KR" altLang="en-US" b="1" spc="-70" dirty="0" smtClean="0">
@@ -7839,6 +7869,49 @@
                 <a:cs typeface="Arial" panose="020B0604020202020204" pitchFamily="34" charset="0"/>
               </a:rPr>
               <a:t>제작</a:t>
+            </a:r>
+            <a:r>
+              <a:rPr lang="en-US" altLang="ko-KR" b="1" spc="-70" dirty="0" smtClean="0">
+                <a:solidFill>
+                  <a:schemeClr val="bg1"/>
+                </a:solidFill>
+                <a:latin typeface="Arial" panose="020B0604020202020204" pitchFamily="34" charset="0"/>
+                <a:cs typeface="Arial" panose="020B0604020202020204" pitchFamily="34" charset="0"/>
+              </a:rPr>
+              <a:t>, </a:t>
+            </a:r>
+            <a:r>
+              <a:rPr lang="ko-KR" altLang="en-US" b="1" spc="-70" dirty="0" smtClean="0">
+                <a:solidFill>
+                  <a:schemeClr val="bg1"/>
+                </a:solidFill>
+                <a:latin typeface="Arial" panose="020B0604020202020204" pitchFamily="34" charset="0"/>
+                <a:cs typeface="Arial" panose="020B0604020202020204" pitchFamily="34" charset="0"/>
+              </a:rPr>
+              <a:t>오류 수정</a:t>
+            </a:r>
+            <a:r>
+              <a:rPr lang="en-US" altLang="ko-KR" b="1" spc="-70" dirty="0" smtClean="0">
+                <a:solidFill>
+                  <a:schemeClr val="bg1"/>
+                </a:solidFill>
+                <a:latin typeface="Arial" panose="020B0604020202020204" pitchFamily="34" charset="0"/>
+                <a:cs typeface="Arial" panose="020B0604020202020204" pitchFamily="34" charset="0"/>
+              </a:rPr>
+              <a:t>,</a:t>
+            </a:r>
+          </a:p>
+          <a:p>
+            <a:pPr algn="ctr"/>
+            <a:r>
+              <a:rPr lang="en-US" altLang="ko-KR" b="1" spc="-70" dirty="0" smtClean="0">
+                <a:solidFill>
+                  <a:schemeClr val="bg1"/>
+                </a:solidFill>
+                <a:latin typeface="Arial" panose="020B0604020202020204" pitchFamily="34" charset="0"/>
+                <a:cs typeface="Arial" panose="020B0604020202020204" pitchFamily="34" charset="0"/>
+              </a:rPr>
+              <a:t> </a:t>
             </a:r>
             <a:endParaRPr lang="en-US" altLang="ko-KR" b="1" spc="-70" dirty="0">
               <a:solidFill>

--- a/오픈소스B.pptx
+++ b/오픈소스B.pptx
@@ -3927,8 +3927,8 @@
         </p:nvSpPr>
         <p:spPr>
           <a:xfrm>
-            <a:off x="831240" y="1839724"/>
-            <a:ext cx="4700549" cy="948337"/>
+            <a:off x="831240" y="2314213"/>
+            <a:ext cx="4700549" cy="473848"/>
           </a:xfrm>
           <a:prstGeom prst="rect">
             <a:avLst/>
@@ -3967,71 +3967,14 @@
               </a:spcBef>
             </a:pPr>
             <a:r>
-              <a:rPr lang="ko-KR" altLang="en-US" sz="3000" spc="-60" dirty="0">
+              <a:rPr lang="ko-KR" altLang="en-US" sz="3000" spc="-60" dirty="0" smtClean="0">
                 <a:solidFill>
                   <a:srgbClr val="002060"/>
                 </a:solidFill>
                 <a:latin typeface="HY헤드라인M" panose="02030600000101010101" pitchFamily="18" charset="-127"/>
                 <a:ea typeface="HY헤드라인M" panose="02030600000101010101" pitchFamily="18" charset="-127"/>
               </a:rPr>
-              <a:t>로고를 활용한</a:t>
-            </a:r>
-            <a:endParaRPr lang="en-US" altLang="ko-KR" sz="3000" spc="-60" dirty="0">
-              <a:solidFill>
-                <a:srgbClr val="002060"/>
-              </a:solidFill>
-              <a:latin typeface="HY헤드라인M" panose="02030600000101010101" pitchFamily="18" charset="-127"/>
-              <a:ea typeface="HY헤드라인M" panose="02030600000101010101" pitchFamily="18" charset="-127"/>
-            </a:endParaRPr>
-          </a:p>
-          <a:p>
-            <a:pPr marR="5080">
-              <a:lnSpc>
-                <a:spcPct val="100000"/>
-              </a:lnSpc>
-              <a:spcBef>
-                <a:spcPts val="95"/>
-              </a:spcBef>
-            </a:pPr>
-            <a:r>
-              <a:rPr lang="en-US" altLang="ko-KR" sz="3000" spc="-60" dirty="0">
-                <a:solidFill>
-                  <a:srgbClr val="002060"/>
-                </a:solidFill>
-                <a:latin typeface="HY헤드라인M" panose="02030600000101010101" pitchFamily="18" charset="-127"/>
-                <a:ea typeface="HY헤드라인M" panose="02030600000101010101" pitchFamily="18" charset="-127"/>
-              </a:rPr>
-              <a:t> AR </a:t>
-            </a:r>
-            <a:r>
-              <a:rPr lang="ko-KR" altLang="en-US" sz="3000" spc="-60" dirty="0">
-                <a:solidFill>
-                  <a:srgbClr val="002060"/>
-                </a:solidFill>
-                <a:latin typeface="HY헤드라인M" panose="02030600000101010101" pitchFamily="18" charset="-127"/>
-                <a:ea typeface="HY헤드라인M" panose="02030600000101010101" pitchFamily="18" charset="-127"/>
-              </a:rPr>
-              <a:t>기반</a:t>
-            </a:r>
-            <a:r>
-              <a:rPr lang="en-US" altLang="ko-KR" sz="3000" spc="-60" dirty="0">
-                <a:solidFill>
-                  <a:srgbClr val="002060"/>
-                </a:solidFill>
-                <a:latin typeface="HY헤드라인M" panose="02030600000101010101" pitchFamily="18" charset="-127"/>
-                <a:ea typeface="HY헤드라인M" panose="02030600000101010101" pitchFamily="18" charset="-127"/>
-              </a:rPr>
-              <a:t> </a:t>
-            </a:r>
-            <a:r>
-              <a:rPr lang="ko-KR" altLang="en-US" sz="3000" spc="-60" dirty="0">
-                <a:solidFill>
-                  <a:srgbClr val="002060"/>
-                </a:solidFill>
-                <a:latin typeface="HY헤드라인M" panose="02030600000101010101" pitchFamily="18" charset="-127"/>
-                <a:ea typeface="HY헤드라인M" panose="02030600000101010101" pitchFamily="18" charset="-127"/>
-              </a:rPr>
-              <a:t>관광지 지도</a:t>
+              <a:t>놀이공원 프로그램</a:t>
             </a:r>
             <a:endParaRPr lang="en-US" altLang="ko-KR" sz="3000" spc="-60" dirty="0">
               <a:solidFill>
@@ -5176,6 +5119,59 @@
           </a:p>
         </p:txBody>
       </p:sp>
+      <p:pic>
+        <p:nvPicPr>
+          <p:cNvPr id="7" name="그림 6"/>
+          <p:cNvPicPr/>
+          <p:nvPr/>
+        </p:nvPicPr>
+        <p:blipFill rotWithShape="1">
+          <a:blip r:embed="rId2"/>
+          <a:srcRect l="19307" t="16168" r="49837" b="35602"/>
+          <a:stretch/>
+        </p:blipFill>
+        <p:spPr bwMode="auto">
+          <a:xfrm>
+            <a:off x="842303" y="2160792"/>
+            <a:ext cx="2885636" cy="2992583"/>
+          </a:xfrm>
+          <a:prstGeom prst="rect">
+            <a:avLst/>
+          </a:prstGeom>
+          <a:ln>
+            <a:noFill/>
+          </a:ln>
+          <a:extLst>
+            <a:ext uri="{53640926-AAD7-44D8-BBD7-CCE9431645EC}">
+              <a14:shadowObscured xmlns:a14="http://schemas.microsoft.com/office/drawing/2010/main"/>
+            </a:ext>
+          </a:extLst>
+        </p:spPr>
+      </p:pic>
+      <p:pic>
+        <p:nvPicPr>
+          <p:cNvPr id="2" name="그림 1"/>
+          <p:cNvPicPr>
+            <a:picLocks noChangeAspect="1"/>
+          </p:cNvPicPr>
+          <p:nvPr/>
+        </p:nvPicPr>
+        <p:blipFill>
+          <a:blip r:embed="rId3"/>
+          <a:stretch>
+            <a:fillRect/>
+          </a:stretch>
+        </p:blipFill>
+        <p:spPr>
+          <a:xfrm>
+            <a:off x="3341076" y="2480226"/>
+            <a:ext cx="6149905" cy="2788244"/>
+          </a:xfrm>
+          <a:prstGeom prst="rect">
+            <a:avLst/>
+          </a:prstGeom>
+        </p:spPr>
+      </p:pic>
     </p:spTree>
     <p:extLst>
       <p:ext uri="{BB962C8B-B14F-4D97-AF65-F5344CB8AC3E}">
@@ -6719,8 +6715,8 @@
               <a:t>예약취소</a:t>
             </a:r>
             <a:r>
-              <a:rPr lang="en-US" altLang="ko-KR" dirty="0"/>
-              <a:t>, </a:t>
+              <a:rPr lang="en-US" altLang="ko-KR" dirty="0" smtClean="0"/>
+              <a:t>,  </a:t>
             </a:r>
             <a:r>
               <a:rPr lang="ko-KR" altLang="en-US" dirty="0" err="1"/>
@@ -7835,8 +7831,8 @@
         </p:nvSpPr>
         <p:spPr>
           <a:xfrm>
-            <a:off x="8707000" y="3761329"/>
-            <a:ext cx="2292175" cy="553998"/>
+            <a:off x="8414238" y="3761329"/>
+            <a:ext cx="2788473" cy="830997"/>
           </a:xfrm>
           <a:prstGeom prst="rect">
             <a:avLst/>
@@ -7888,7 +7884,7 @@
                 <a:latin typeface="Arial" panose="020B0604020202020204" pitchFamily="34" charset="0"/>
                 <a:cs typeface="Arial" panose="020B0604020202020204" pitchFamily="34" charset="0"/>
               </a:rPr>
-              <a:t>오류 수정</a:t>
+              <a:t>오류 검출 및 수정</a:t>
             </a:r>
             <a:r>
               <a:rPr lang="en-US" altLang="ko-KR" b="1" spc="-70" dirty="0" smtClean="0">
@@ -7898,7 +7894,7 @@
                 <a:latin typeface="Arial" panose="020B0604020202020204" pitchFamily="34" charset="0"/>
                 <a:cs typeface="Arial" panose="020B0604020202020204" pitchFamily="34" charset="0"/>
               </a:rPr>
-              <a:t>,</a:t>
+              <a:t>,GUI</a:t>
             </a:r>
           </a:p>
           <a:p>
